--- a/Docs/Forum PI/RSmart presentation forum PI.pptx
+++ b/Docs/Forum PI/RSmart presentation forum PI.pptx
@@ -186,7 +186,6 @@
   </mc:AlternateContent>
   <c:chart>
     <c:title>
-      <c:layout/>
       <c:overlay val="0"/>
     </c:title>
     <c:autoTitleDeleted val="0"/>
@@ -253,7 +252,6 @@
             <c:showLeaderLines val="0"/>
             <c:extLst>
               <c:ext xmlns:c15="http://schemas.microsoft.com/office/drawing/2012/chart" uri="{CE6537A1-D6FC-4f65-9D91-7224C49458BB}">
-                <c15:layout/>
                 <c15:showLeaderLines val="0"/>
               </c:ext>
             </c:extLst>
@@ -339,7 +337,6 @@
             <c:showLeaderLines val="0"/>
             <c:extLst>
               <c:ext xmlns:c15="http://schemas.microsoft.com/office/drawing/2012/chart" uri="{CE6537A1-D6FC-4f65-9D91-7224C49458BB}">
-                <c15:layout/>
                 <c15:showLeaderLines val="0"/>
               </c:ext>
             </c:extLst>
@@ -423,7 +420,6 @@
             <c:showLeaderLines val="0"/>
             <c:extLst>
               <c:ext xmlns:c15="http://schemas.microsoft.com/office/drawing/2012/chart" uri="{CE6537A1-D6FC-4f65-9D91-7224C49458BB}">
-                <c15:layout/>
                 <c15:showLeaderLines val="0"/>
               </c:ext>
             </c:extLst>
@@ -480,11 +476,11 @@
         </c:dLbls>
         <c:gapWidth val="150"/>
         <c:overlap val="-25"/>
-        <c:axId val="356358520"/>
-        <c:axId val="356356952"/>
+        <c:axId val="254967520"/>
+        <c:axId val="254968080"/>
       </c:barChart>
       <c:catAx>
-        <c:axId val="356358520"/>
+        <c:axId val="254967520"/>
         <c:scaling>
           <c:orientation val="minMax"/>
         </c:scaling>
@@ -494,7 +490,7 @@
         <c:majorTickMark val="none"/>
         <c:minorTickMark val="none"/>
         <c:tickLblPos val="nextTo"/>
-        <c:crossAx val="356356952"/>
+        <c:crossAx val="254968080"/>
         <c:crosses val="autoZero"/>
         <c:auto val="1"/>
         <c:lblAlgn val="ctr"/>
@@ -502,7 +498,7 @@
         <c:noMultiLvlLbl val="0"/>
       </c:catAx>
       <c:valAx>
-        <c:axId val="356356952"/>
+        <c:axId val="254968080"/>
         <c:scaling>
           <c:orientation val="minMax"/>
         </c:scaling>
@@ -512,14 +508,13 @@
         <c:majorTickMark val="none"/>
         <c:minorTickMark val="none"/>
         <c:tickLblPos val="nextTo"/>
-        <c:crossAx val="356358520"/>
+        <c:crossAx val="254967520"/>
         <c:crosses val="autoZero"/>
         <c:crossBetween val="between"/>
       </c:valAx>
     </c:plotArea>
     <c:legend>
       <c:legendPos val="t"/>
-      <c:layout/>
       <c:overlay val="0"/>
     </c:legend>
     <c:plotVisOnly val="1"/>
@@ -1569,238 +1564,6 @@
       <dsp:cNvGrpSpPr/>
     </dsp:nvGrpSpPr>
     <dsp:grpSpPr/>
-    <dsp:sp modelId="{CC35A420-19B6-4545-8D20-1D3E627623E1}">
-      <dsp:nvSpPr>
-        <dsp:cNvPr id="0" name=""/>
-        <dsp:cNvSpPr/>
-      </dsp:nvSpPr>
-      <dsp:spPr>
-        <a:xfrm>
-          <a:off x="992568" y="364158"/>
-          <a:ext cx="4531752" cy="4531752"/>
-        </a:xfrm>
-        <a:prstGeom prst="pie">
-          <a:avLst>
-            <a:gd name="adj1" fmla="val 16200000"/>
-            <a:gd name="adj2" fmla="val 1800000"/>
-          </a:avLst>
-        </a:prstGeom>
-        <a:solidFill>
-          <a:schemeClr val="bg1">
-            <a:lumMod val="65000"/>
-          </a:schemeClr>
-        </a:solidFill>
-        <a:ln w="25400" cap="flat" cmpd="sng" algn="ctr">
-          <a:solidFill>
-            <a:schemeClr val="lt1">
-              <a:hueOff val="0"/>
-              <a:satOff val="0"/>
-              <a:lumOff val="0"/>
-              <a:alphaOff val="0"/>
-            </a:schemeClr>
-          </a:solidFill>
-          <a:prstDash val="solid"/>
-        </a:ln>
-        <a:effectLst/>
-      </dsp:spPr>
-      <dsp:style>
-        <a:lnRef idx="2">
-          <a:scrgbClr r="0" g="0" b="0"/>
-        </a:lnRef>
-        <a:fillRef idx="1">
-          <a:scrgbClr r="0" g="0" b="0"/>
-        </a:fillRef>
-        <a:effectRef idx="0">
-          <a:scrgbClr r="0" g="0" b="0"/>
-        </a:effectRef>
-        <a:fontRef idx="minor">
-          <a:schemeClr val="lt1"/>
-        </a:fontRef>
-      </dsp:style>
-      <dsp:txBody>
-        <a:bodyPr spcFirstLastPara="0" vert="horz" wrap="square" lIns="57150" tIns="57150" rIns="57150" bIns="57150" numCol="1" spcCol="1270" anchor="ctr" anchorCtr="0">
-          <a:noAutofit/>
-        </a:bodyPr>
-        <a:lstStyle/>
-        <a:p>
-          <a:pPr lvl="0" algn="ctr" defTabSz="2000250">
-            <a:lnSpc>
-              <a:spcPct val="90000"/>
-            </a:lnSpc>
-            <a:spcBef>
-              <a:spcPct val="0"/>
-            </a:spcBef>
-            <a:spcAft>
-              <a:spcPct val="35000"/>
-            </a:spcAft>
-          </a:pPr>
-          <a:r>
-            <a:rPr lang="tr-TR" sz="4500" kern="1200" dirty="0" smtClean="0">
-              <a:latin typeface="Caviar Dreams" pitchFamily="34" charset="-94"/>
-            </a:rPr>
-            <a:t>TEXT</a:t>
-          </a:r>
-          <a:endParaRPr lang="tr-TR" sz="4500" kern="1200" dirty="0">
-            <a:latin typeface="Caviar Dreams" pitchFamily="34" charset="-94"/>
-          </a:endParaRPr>
-        </a:p>
-      </dsp:txBody>
-      <dsp:txXfrm>
-        <a:off x="3456439" y="1200375"/>
-        <a:ext cx="1537559" cy="1510584"/>
-      </dsp:txXfrm>
-    </dsp:sp>
-    <dsp:sp modelId="{C7530627-5533-4EEB-818B-4BD0A1BB347F}">
-      <dsp:nvSpPr>
-        <dsp:cNvPr id="0" name=""/>
-        <dsp:cNvSpPr/>
-      </dsp:nvSpPr>
-      <dsp:spPr>
-        <a:xfrm>
-          <a:off x="758967" y="499032"/>
-          <a:ext cx="4531752" cy="4531752"/>
-        </a:xfrm>
-        <a:prstGeom prst="pie">
-          <a:avLst>
-            <a:gd name="adj1" fmla="val 1800000"/>
-            <a:gd name="adj2" fmla="val 9000000"/>
-          </a:avLst>
-        </a:prstGeom>
-        <a:solidFill>
-          <a:srgbClr val="2B4F67"/>
-        </a:solidFill>
-        <a:ln w="25400" cap="flat" cmpd="sng" algn="ctr">
-          <a:solidFill>
-            <a:schemeClr val="lt1">
-              <a:hueOff val="0"/>
-              <a:satOff val="0"/>
-              <a:lumOff val="0"/>
-              <a:alphaOff val="0"/>
-            </a:schemeClr>
-          </a:solidFill>
-          <a:prstDash val="solid"/>
-        </a:ln>
-        <a:effectLst/>
-      </dsp:spPr>
-      <dsp:style>
-        <a:lnRef idx="2">
-          <a:scrgbClr r="0" g="0" b="0"/>
-        </a:lnRef>
-        <a:fillRef idx="1">
-          <a:scrgbClr r="0" g="0" b="0"/>
-        </a:fillRef>
-        <a:effectRef idx="0">
-          <a:scrgbClr r="0" g="0" b="0"/>
-        </a:effectRef>
-        <a:fontRef idx="minor">
-          <a:schemeClr val="lt1"/>
-        </a:fontRef>
-      </dsp:style>
-      <dsp:txBody>
-        <a:bodyPr spcFirstLastPara="0" vert="horz" wrap="square" lIns="55880" tIns="55880" rIns="55880" bIns="55880" numCol="1" spcCol="1270" anchor="ctr" anchorCtr="0">
-          <a:noAutofit/>
-        </a:bodyPr>
-        <a:lstStyle/>
-        <a:p>
-          <a:pPr lvl="0" algn="ctr" defTabSz="1955800">
-            <a:lnSpc>
-              <a:spcPct val="90000"/>
-            </a:lnSpc>
-            <a:spcBef>
-              <a:spcPct val="0"/>
-            </a:spcBef>
-            <a:spcAft>
-              <a:spcPct val="35000"/>
-            </a:spcAft>
-          </a:pPr>
-          <a:r>
-            <a:rPr lang="tr-TR" sz="4400" kern="1200" dirty="0" smtClean="0">
-              <a:latin typeface="Caviar Dreams" pitchFamily="34" charset="-94"/>
-            </a:rPr>
-            <a:t>TEXT</a:t>
-          </a:r>
-          <a:endParaRPr lang="tr-TR" sz="4400" kern="1200" dirty="0">
-            <a:latin typeface="Caviar Dreams" pitchFamily="34" charset="-94"/>
-          </a:endParaRPr>
-        </a:p>
-      </dsp:txBody>
-      <dsp:txXfrm>
-        <a:off x="1999804" y="3358352"/>
-        <a:ext cx="2050078" cy="1402685"/>
-      </dsp:txXfrm>
-    </dsp:sp>
-    <dsp:sp modelId="{4E7D974C-B314-4090-BB80-0CF534457565}">
-      <dsp:nvSpPr>
-        <dsp:cNvPr id="0" name=""/>
-        <dsp:cNvSpPr/>
-      </dsp:nvSpPr>
-      <dsp:spPr>
-        <a:xfrm>
-          <a:off x="694797" y="399832"/>
-          <a:ext cx="4531752" cy="4531752"/>
-        </a:xfrm>
-        <a:prstGeom prst="pie">
-          <a:avLst>
-            <a:gd name="adj1" fmla="val 9000000"/>
-            <a:gd name="adj2" fmla="val 16200000"/>
-          </a:avLst>
-        </a:prstGeom>
-        <a:solidFill>
-          <a:srgbClr val="565D6F"/>
-        </a:solidFill>
-        <a:ln w="25400" cap="flat" cmpd="sng" algn="ctr">
-          <a:noFill/>
-          <a:prstDash val="solid"/>
-        </a:ln>
-        <a:effectLst/>
-      </dsp:spPr>
-      <dsp:style>
-        <a:lnRef idx="2">
-          <a:scrgbClr r="0" g="0" b="0"/>
-        </a:lnRef>
-        <a:fillRef idx="1">
-          <a:scrgbClr r="0" g="0" b="0"/>
-        </a:fillRef>
-        <a:effectRef idx="0">
-          <a:scrgbClr r="0" g="0" b="0"/>
-        </a:effectRef>
-        <a:fontRef idx="minor">
-          <a:schemeClr val="lt1"/>
-        </a:fontRef>
-      </dsp:style>
-      <dsp:txBody>
-        <a:bodyPr spcFirstLastPara="0" vert="horz" wrap="square" lIns="55880" tIns="55880" rIns="55880" bIns="55880" numCol="1" spcCol="1270" anchor="ctr" anchorCtr="0">
-          <a:noAutofit/>
-        </a:bodyPr>
-        <a:lstStyle/>
-        <a:p>
-          <a:pPr lvl="0" algn="ctr" defTabSz="1955800">
-            <a:lnSpc>
-              <a:spcPct val="90000"/>
-            </a:lnSpc>
-            <a:spcBef>
-              <a:spcPct val="0"/>
-            </a:spcBef>
-            <a:spcAft>
-              <a:spcPct val="35000"/>
-            </a:spcAft>
-          </a:pPr>
-          <a:r>
-            <a:rPr lang="tr-TR" sz="4400" kern="1200" dirty="0" smtClean="0">
-              <a:latin typeface="Caviar Dreams" pitchFamily="34" charset="-94"/>
-            </a:rPr>
-            <a:t>TEXT</a:t>
-          </a:r>
-          <a:endParaRPr lang="tr-TR" sz="4400" kern="1200" dirty="0">
-            <a:latin typeface="Caviar Dreams" pitchFamily="34" charset="-94"/>
-          </a:endParaRPr>
-        </a:p>
-      </dsp:txBody>
-      <dsp:txXfrm>
-        <a:off x="1180342" y="1289998"/>
-        <a:ext cx="1537559" cy="1510584"/>
-      </dsp:txXfrm>
-    </dsp:sp>
   </dsp:spTree>
 </dsp:drawing>
 </file>
@@ -4226,7 +3989,7 @@
           <a:p>
             <a:fld id="{4D0CBB7A-33AF-434C-B8C5-B5F21D294CDF}" type="datetimeFigureOut">
               <a:rPr lang="tr-TR" smtClean="0"/>
-              <a:t>25.6.2015</a:t>
+              <a:t>27.06.2015</a:t>
             </a:fld>
             <a:endParaRPr lang="tr-TR"/>
           </a:p>
@@ -4391,7 +4154,7 @@
           <a:p>
             <a:fld id="{6C6C1039-E6FF-4F78-9751-FFD9A3AC8099}" type="datetimeFigureOut">
               <a:rPr lang="tr-TR" smtClean="0"/>
-              <a:t>25.6.2015</a:t>
+              <a:t>27.06.2015</a:t>
             </a:fld>
             <a:endParaRPr lang="tr-TR"/>
           </a:p>
@@ -7276,7 +7039,7 @@
           <a:p>
             <a:fld id="{DC9C75F7-98FD-4D05-8C3F-C506B544AE03}" type="datetimeFigureOut">
               <a:rPr lang="tr-TR" smtClean="0"/>
-              <a:t>25.6.2015</a:t>
+              <a:t>27.06.2015</a:t>
             </a:fld>
             <a:endParaRPr lang="tr-TR"/>
           </a:p>
@@ -7465,7 +7228,7 @@
           <a:p>
             <a:fld id="{DC9C75F7-98FD-4D05-8C3F-C506B544AE03}" type="datetimeFigureOut">
               <a:rPr lang="tr-TR" smtClean="0"/>
-              <a:t>25.6.2015</a:t>
+              <a:t>27.06.2015</a:t>
             </a:fld>
             <a:endParaRPr lang="tr-TR"/>
           </a:p>
@@ -7657,7 +7420,7 @@
           <a:p>
             <a:fld id="{DC9C75F7-98FD-4D05-8C3F-C506B544AE03}" type="datetimeFigureOut">
               <a:rPr lang="tr-TR" smtClean="0"/>
-              <a:t>25.6.2015</a:t>
+              <a:t>27.06.2015</a:t>
             </a:fld>
             <a:endParaRPr lang="tr-TR"/>
           </a:p>
@@ -7839,7 +7602,7 @@
           <a:p>
             <a:fld id="{DC9C75F7-98FD-4D05-8C3F-C506B544AE03}" type="datetimeFigureOut">
               <a:rPr lang="tr-TR" smtClean="0"/>
-              <a:t>25.6.2015</a:t>
+              <a:t>27.06.2015</a:t>
             </a:fld>
             <a:endParaRPr lang="tr-TR"/>
           </a:p>
@@ -8097,7 +7860,7 @@
           <a:p>
             <a:fld id="{DC9C75F7-98FD-4D05-8C3F-C506B544AE03}" type="datetimeFigureOut">
               <a:rPr lang="tr-TR" smtClean="0"/>
-              <a:t>25.6.2015</a:t>
+              <a:t>27.06.2015</a:t>
             </a:fld>
             <a:endParaRPr lang="tr-TR"/>
           </a:p>
@@ -8397,7 +8160,7 @@
           <a:p>
             <a:fld id="{DC9C75F7-98FD-4D05-8C3F-C506B544AE03}" type="datetimeFigureOut">
               <a:rPr lang="tr-TR" smtClean="0"/>
-              <a:t>25.6.2015</a:t>
+              <a:t>27.06.2015</a:t>
             </a:fld>
             <a:endParaRPr lang="tr-TR"/>
           </a:p>
@@ -8831,7 +8594,7 @@
           <a:p>
             <a:fld id="{DC9C75F7-98FD-4D05-8C3F-C506B544AE03}" type="datetimeFigureOut">
               <a:rPr lang="tr-TR" smtClean="0"/>
-              <a:t>25.6.2015</a:t>
+              <a:t>27.06.2015</a:t>
             </a:fld>
             <a:endParaRPr lang="tr-TR"/>
           </a:p>
@@ -8961,7 +8724,7 @@
           <a:p>
             <a:fld id="{DC9C75F7-98FD-4D05-8C3F-C506B544AE03}" type="datetimeFigureOut">
               <a:rPr lang="tr-TR" smtClean="0"/>
-              <a:t>25.6.2015</a:t>
+              <a:t>27.06.2015</a:t>
             </a:fld>
             <a:endParaRPr lang="tr-TR"/>
           </a:p>
@@ -9068,7 +8831,7 @@
           <a:p>
             <a:fld id="{DC9C75F7-98FD-4D05-8C3F-C506B544AE03}" type="datetimeFigureOut">
               <a:rPr lang="tr-TR" smtClean="0"/>
-              <a:t>25.6.2015</a:t>
+              <a:t>27.06.2015</a:t>
             </a:fld>
             <a:endParaRPr lang="tr-TR"/>
           </a:p>
@@ -9357,7 +9120,7 @@
           <a:p>
             <a:fld id="{DC9C75F7-98FD-4D05-8C3F-C506B544AE03}" type="datetimeFigureOut">
               <a:rPr lang="tr-TR" smtClean="0"/>
-              <a:t>25.6.2015</a:t>
+              <a:t>27.06.2015</a:t>
             </a:fld>
             <a:endParaRPr lang="tr-TR"/>
           </a:p>
@@ -9622,7 +9385,7 @@
           <a:p>
             <a:fld id="{DC9C75F7-98FD-4D05-8C3F-C506B544AE03}" type="datetimeFigureOut">
               <a:rPr lang="tr-TR" smtClean="0"/>
-              <a:t>25.6.2015</a:t>
+              <a:t>27.06.2015</a:t>
             </a:fld>
             <a:endParaRPr lang="tr-TR"/>
           </a:p>
@@ -9870,7 +9633,7 @@
           <a:p>
             <a:fld id="{DC9C75F7-98FD-4D05-8C3F-C506B544AE03}" type="datetimeFigureOut">
               <a:rPr lang="tr-TR" smtClean="0"/>
-              <a:t>25.6.2015</a:t>
+              <a:t>27.06.2015</a:t>
             </a:fld>
             <a:endParaRPr lang="tr-TR"/>
           </a:p>
@@ -25594,7 +25357,7 @@
         <p:spPr>
           <a:xfrm>
             <a:off x="792659" y="2696815"/>
-            <a:ext cx="16561840" cy="7478970"/>
+            <a:ext cx="16561840" cy="8217634"/>
           </a:xfrm>
           <a:prstGeom prst="rect">
             <a:avLst/>
@@ -25786,8 +25549,56 @@
                 </a:solidFill>
                 <a:latin typeface="Bebas Neue" panose="020B0606020202050201" pitchFamily="34" charset="0"/>
               </a:rPr>
-              <a:t>es étapes du projet</a:t>
+              <a:t>es étapes du </a:t>
             </a:r>
+            <a:r>
+              <a:rPr lang="fr-FR" sz="4800" dirty="0" smtClean="0">
+                <a:solidFill>
+                  <a:schemeClr val="tx1">
+                    <a:lumMod val="65000"/>
+                    <a:lumOff val="35000"/>
+                  </a:schemeClr>
+                </a:solidFill>
+                <a:latin typeface="Bebas Neue" panose="020B0606020202050201" pitchFamily="34" charset="0"/>
+              </a:rPr>
+              <a:t>projet</a:t>
+            </a:r>
+          </a:p>
+          <a:p>
+            <a:pPr marL="457200" indent="-457200">
+              <a:buFontTx/>
+              <a:buChar char="-"/>
+            </a:pPr>
+            <a:r>
+              <a:rPr lang="fr-FR" sz="4800" dirty="0" smtClean="0">
+                <a:solidFill>
+                  <a:schemeClr val="accent1"/>
+                </a:solidFill>
+                <a:latin typeface="Bebas Neue" panose="020B0606020202050201" pitchFamily="34" charset="0"/>
+              </a:rPr>
+              <a:t>N</a:t>
+            </a:r>
+            <a:r>
+              <a:rPr lang="fr-FR" sz="4800" dirty="0" smtClean="0">
+                <a:solidFill>
+                  <a:schemeClr val="tx1">
+                    <a:lumMod val="65000"/>
+                    <a:lumOff val="35000"/>
+                  </a:schemeClr>
+                </a:solidFill>
+                <a:latin typeface="Bebas Neue" panose="020B0606020202050201" pitchFamily="34" charset="0"/>
+              </a:rPr>
+              <a:t>otre vision</a:t>
+            </a:r>
+            <a:endParaRPr lang="fr-FR" sz="4800" dirty="0" smtClean="0">
+              <a:solidFill>
+                <a:schemeClr val="tx1">
+                  <a:lumMod val="65000"/>
+                  <a:lumOff val="35000"/>
+                </a:schemeClr>
+              </a:solidFill>
+              <a:latin typeface="Bebas Neue" panose="020B0606020202050201" pitchFamily="34" charset="0"/>
+            </a:endParaRPr>
           </a:p>
           <a:p>
             <a:pPr marL="457200" indent="-457200">
@@ -25902,13 +25713,13 @@
   <p:clrMapOvr>
     <a:masterClrMapping/>
   </p:clrMapOvr>
-  <mc:AlternateContent xmlns:mc="http://schemas.openxmlformats.org/markup-compatibility/2006">
-    <mc:Choice xmlns:p14="http://schemas.microsoft.com/office/powerpoint/2010/main" Requires="p14">
+  <mc:AlternateContent xmlns:mc="http://schemas.openxmlformats.org/markup-compatibility/2006" xmlns:p14="http://schemas.microsoft.com/office/powerpoint/2010/main">
+    <mc:Choice Requires="p14">
       <p:transition spd="med" p14:dur="700">
         <p:fade/>
       </p:transition>
     </mc:Choice>
-    <mc:Fallback>
+    <mc:Fallback xmlns="">
       <p:transition spd="med">
         <p:fade/>
       </p:transition>
@@ -39637,7 +39448,7 @@
         <p:spPr>
           <a:xfrm>
             <a:off x="5580352" y="6166870"/>
-            <a:ext cx="3358568" cy="1785104"/>
+            <a:ext cx="3358568" cy="769441"/>
           </a:xfrm>
           <a:prstGeom prst="rect">
             <a:avLst/>
@@ -39652,7 +39463,7 @@
           <a:p>
             <a:pPr algn="ctr"/>
             <a:r>
-              <a:rPr lang="tr-TR" sz="2200" b="1" dirty="0">
+              <a:rPr lang="fr-FR" sz="2200" b="1" dirty="0" smtClean="0">
                 <a:solidFill>
                   <a:schemeClr val="tx1">
                     <a:lumMod val="65000"/>
@@ -39661,7 +39472,24 @@
                 </a:solidFill>
                 <a:latin typeface="Caviar Dreams" pitchFamily="34" charset="-94"/>
               </a:rPr>
-              <a:t>Curabitur pretium tincidunt lacus. Nulla gravida orci a odio. Nullam varius, turpis et commodo pharetra</a:t>
+              <a:t>Chef de projet</a:t>
+            </a:r>
+          </a:p>
+          <a:p>
+            <a:pPr algn="ctr"/>
+            <a:r>
+              <a:rPr lang="fr-FR" sz="2200" b="1" dirty="0" smtClean="0">
+                <a:solidFill>
+                  <a:schemeClr val="tx1">
+                    <a:lumMod val="65000"/>
+                    <a:lumOff val="35000"/>
+                  </a:schemeClr>
+                </a:solidFill>
+                <a:latin typeface="Caviar Dreams" pitchFamily="34" charset="-94"/>
+                <a:ea typeface="Open Sans" pitchFamily="34" charset="0"/>
+                <a:cs typeface="Open Sans" pitchFamily="34" charset="0"/>
+              </a:rPr>
+              <a:t>Développeur</a:t>
             </a:r>
             <a:endParaRPr lang="tr-TR" sz="2200" b="1" dirty="0">
               <a:solidFill>
@@ -39728,7 +39556,7 @@
         <p:spPr>
           <a:xfrm>
             <a:off x="9015120" y="6166870"/>
-            <a:ext cx="3358568" cy="1785104"/>
+            <a:ext cx="3358568" cy="430887"/>
           </a:xfrm>
           <a:prstGeom prst="rect">
             <a:avLst/>
@@ -39743,7 +39571,7 @@
           <a:p>
             <a:pPr algn="ctr"/>
             <a:r>
-              <a:rPr lang="tr-TR" sz="2200" b="1" dirty="0">
+              <a:rPr lang="fr-FR" sz="2200" b="1" dirty="0" smtClean="0">
                 <a:solidFill>
                   <a:schemeClr val="tx1">
                     <a:lumMod val="65000"/>
@@ -39752,7 +39580,7 @@
                 </a:solidFill>
                 <a:latin typeface="Caviar Dreams" pitchFamily="34" charset="-94"/>
               </a:rPr>
-              <a:t>Curabitur pretium tincidunt lacus. Nulla gravida orci a odio. Nullam varius, turpis et commodo pharetra</a:t>
+              <a:t>Développeur</a:t>
             </a:r>
             <a:endParaRPr lang="tr-TR" sz="2200" b="1" dirty="0">
               <a:solidFill>
@@ -39765,6 +39593,114 @@
           </a:p>
         </p:txBody>
       </p:sp>
+      <p:pic>
+        <p:nvPicPr>
+          <p:cNvPr id="3" name="Image 2"/>
+          <p:cNvPicPr>
+            <a:picLocks noChangeAspect="1"/>
+          </p:cNvPicPr>
+          <p:nvPr/>
+        </p:nvPicPr>
+        <p:blipFill>
+          <a:blip r:embed="rId4">
+            <a:extLst>
+              <a:ext uri="{28A0092B-C50C-407E-A947-70E740481C1C}">
+                <a14:useLocalDpi xmlns:a14="http://schemas.microsoft.com/office/drawing/2010/main" val="0"/>
+              </a:ext>
+            </a:extLst>
+          </a:blip>
+          <a:stretch>
+            <a:fillRect/>
+          </a:stretch>
+        </p:blipFill>
+        <p:spPr>
+          <a:xfrm>
+            <a:off x="6109153" y="2748696"/>
+            <a:ext cx="2409825" cy="2409825"/>
+          </a:xfrm>
+          <a:prstGeom prst="ellipse">
+            <a:avLst/>
+          </a:prstGeom>
+          <a:ln w="63500" cap="rnd">
+            <a:solidFill>
+              <a:srgbClr val="333333"/>
+            </a:solidFill>
+          </a:ln>
+          <a:effectLst>
+            <a:outerShdw blurRad="381000" dist="292100" dir="5400000" sx="-80000" sy="-18000" rotWithShape="0">
+              <a:srgbClr val="000000">
+                <a:alpha val="22000"/>
+              </a:srgbClr>
+            </a:outerShdw>
+          </a:effectLst>
+          <a:scene3d>
+            <a:camera prst="orthographicFront"/>
+            <a:lightRig rig="contrasting" dir="t">
+              <a:rot lat="0" lon="0" rev="3000000"/>
+            </a:lightRig>
+          </a:scene3d>
+          <a:sp3d contourW="7620">
+            <a:bevelT w="95250" h="31750"/>
+            <a:contourClr>
+              <a:srgbClr val="333333"/>
+            </a:contourClr>
+          </a:sp3d>
+        </p:spPr>
+      </p:pic>
+      <p:pic>
+        <p:nvPicPr>
+          <p:cNvPr id="4" name="Image 3"/>
+          <p:cNvPicPr>
+            <a:picLocks noChangeAspect="1"/>
+          </p:cNvPicPr>
+          <p:nvPr/>
+        </p:nvPicPr>
+        <p:blipFill>
+          <a:blip r:embed="rId5">
+            <a:extLst>
+              <a:ext uri="{28A0092B-C50C-407E-A947-70E740481C1C}">
+                <a14:useLocalDpi xmlns:a14="http://schemas.microsoft.com/office/drawing/2010/main" val="0"/>
+              </a:ext>
+            </a:extLst>
+          </a:blip>
+          <a:stretch>
+            <a:fillRect/>
+          </a:stretch>
+        </p:blipFill>
+        <p:spPr>
+          <a:xfrm>
+            <a:off x="9514174" y="2774406"/>
+            <a:ext cx="2384115" cy="2384115"/>
+          </a:xfrm>
+          <a:prstGeom prst="ellipse">
+            <a:avLst/>
+          </a:prstGeom>
+          <a:ln w="63500" cap="rnd">
+            <a:solidFill>
+              <a:srgbClr val="333333"/>
+            </a:solidFill>
+          </a:ln>
+          <a:effectLst>
+            <a:outerShdw blurRad="381000" dist="292100" dir="5400000" sx="-80000" sy="-18000" rotWithShape="0">
+              <a:srgbClr val="000000">
+                <a:alpha val="22000"/>
+              </a:srgbClr>
+            </a:outerShdw>
+          </a:effectLst>
+          <a:scene3d>
+            <a:camera prst="orthographicFront"/>
+            <a:lightRig rig="contrasting" dir="t">
+              <a:rot lat="0" lon="0" rev="3000000"/>
+            </a:lightRig>
+          </a:scene3d>
+          <a:sp3d contourW="7620">
+            <a:bevelT w="95250" h="31750"/>
+            <a:contourClr>
+              <a:srgbClr val="333333"/>
+            </a:contourClr>
+          </a:sp3d>
+        </p:spPr>
+      </p:pic>
     </p:spTree>
     <p:extLst>
       <p:ext uri="{BB962C8B-B14F-4D97-AF65-F5344CB8AC3E}">
@@ -40389,7 +40325,7 @@
         <p:spPr>
           <a:xfrm>
             <a:off x="896986" y="2490945"/>
-            <a:ext cx="16457513" cy="4662815"/>
+            <a:ext cx="16457513" cy="2585323"/>
           </a:xfrm>
           <a:prstGeom prst="rect">
             <a:avLst/>
@@ -40403,7 +40339,7 @@
           <a:lstStyle/>
           <a:p>
             <a:r>
-              <a:rPr lang="tr-TR" sz="3300" b="1" dirty="0">
+              <a:rPr lang="fr-FR" sz="5400" b="1" dirty="0" err="1">
                 <a:solidFill>
                   <a:schemeClr val="tx1">
                     <a:lumMod val="65000"/>
@@ -40412,9 +40348,23 @@
                 </a:solidFill>
                 <a:latin typeface="Bebas Neue" panose="020B0606020202050201" pitchFamily="34" charset="0"/>
               </a:rPr>
-              <a:t>Curabitur pretium tincidunt lacus. Nulla gravida orci a odio. Nullam varius, turpis et commodo pharetra, est eros bibendum elit, nec luctus magna felis sollicitudin mauris. Integer in mauris eu nibh euismod gravida. Duis ac tellus et risus vulputate vehicula. Donec lobortis risus a elit. Etiam tempor. Ut ullamcorper, ligula eu tempor congue, eros est euismod turpis, id tincidunt sapien risus a quam. Maecenas fermentum consequat mi. Donec fermentum. Pellentesque malesuada nulla a mi. Duis sapien sem, aliquet nec, commodo eget, consequat quis, neque. Aliquam faucibus, elit ut dictum aliquet, felis nisl adipiscing sapien, sed malesuada diam lacus eget erat. Cras mollis scelerisque nunc. Nullam arcu. Aliquam consequat. Curabitur augue lorem, dapibus quis, laoreet et, pretium ac, nisi. Aenean magna nisl, mollis quis, molestie eu, feugiat in, orci. In hac habitasse platea dictumst.</a:t>
+              <a:t>Rsmart</a:t>
             </a:r>
-            <a:endParaRPr lang="tr-TR" sz="3300" b="1" dirty="0">
+            <a:r>
+              <a:rPr lang="fr-FR" sz="5400" b="1" dirty="0">
+                <a:solidFill>
+                  <a:schemeClr val="tx1">
+                    <a:lumMod val="65000"/>
+                    <a:lumOff val="35000"/>
+                  </a:schemeClr>
+                </a:solidFill>
+                <a:latin typeface="Bebas Neue" panose="020B0606020202050201" pitchFamily="34" charset="0"/>
+              </a:rPr>
+              <a:t> est un robot capable de se déplacer de manière autonome et de cartographier son environnement.</a:t>
+            </a:r>
+          </a:p>
+          <a:p>
+            <a:endParaRPr lang="fr-FR" sz="5400" b="1" dirty="0">
               <a:solidFill>
                 <a:schemeClr val="tx1">
                   <a:lumMod val="65000"/>
@@ -40422,8 +40372,6 @@
                 </a:schemeClr>
               </a:solidFill>
               <a:latin typeface="Bebas Neue" panose="020B0606020202050201" pitchFamily="34" charset="0"/>
-              <a:ea typeface="Open Sans" pitchFamily="34" charset="0"/>
-              <a:cs typeface="Open Sans" pitchFamily="34" charset="0"/>
             </a:endParaRPr>
           </a:p>
         </p:txBody>
@@ -40525,6 +40473,36 @@
           </a:p>
         </p:txBody>
       </p:sp>
+      <p:pic>
+        <p:nvPicPr>
+          <p:cNvPr id="10" name="Image 9"/>
+          <p:cNvPicPr>
+            <a:picLocks noChangeAspect="1"/>
+          </p:cNvPicPr>
+          <p:nvPr/>
+        </p:nvPicPr>
+        <p:blipFill>
+          <a:blip r:embed="rId4">
+            <a:extLst>
+              <a:ext uri="{28A0092B-C50C-407E-A947-70E740481C1C}">
+                <a14:useLocalDpi xmlns:a14="http://schemas.microsoft.com/office/drawing/2010/main" val="0"/>
+              </a:ext>
+            </a:extLst>
+          </a:blip>
+          <a:stretch>
+            <a:fillRect/>
+          </a:stretch>
+        </p:blipFill>
+        <p:spPr>
+          <a:xfrm>
+            <a:off x="5491753" y="4029831"/>
+            <a:ext cx="7260722" cy="5445542"/>
+          </a:xfrm>
+          <a:prstGeom prst="rect">
+            <a:avLst/>
+          </a:prstGeom>
+        </p:spPr>
+      </p:pic>
     </p:spTree>
     <p:extLst>
       <p:ext uri="{BB962C8B-B14F-4D97-AF65-F5344CB8AC3E}">
@@ -41050,7 +41028,7 @@
         <p:spPr>
           <a:xfrm>
             <a:off x="896986" y="2490945"/>
-            <a:ext cx="7888561" cy="6186309"/>
+            <a:ext cx="7888561" cy="1107996"/>
           </a:xfrm>
           <a:prstGeom prst="rect">
             <a:avLst/>
@@ -41064,7 +41042,7 @@
           <a:lstStyle/>
           <a:p>
             <a:r>
-              <a:rPr lang="tr-TR" sz="3300" b="1" dirty="0">
+              <a:rPr lang="fr-FR" sz="3300" b="1" dirty="0" smtClean="0">
                 <a:solidFill>
                   <a:schemeClr val="tx1">
                     <a:lumMod val="65000"/>
@@ -41073,7 +41051,7 @@
                 </a:solidFill>
                 <a:latin typeface="Caviar Dreams" pitchFamily="34" charset="-94"/>
               </a:rPr>
-              <a:t>Curabitur pretium tincidunt lacus. Nulla gravida orci a odio. Nullam varius, turpis et commodo pharetra, est eros bibendum elit, nec luctus magna felis sollicitudin mauris. Integer in mauris eu nibh euismod gravida. Duis ac tellus et risus vulputate vehicula. Donec lobortis risus a elit. Etiam tempor. Ut ullamcorper, ligula eu tempor congue, eros est euismod turpis, id tincidunt sapien risus a quam. Maecenas fermentum consequat mi. Donec fermentum. </a:t>
+              <a:t>- Volonté de créer une mascotte pour l’école</a:t>
             </a:r>
             <a:endParaRPr lang="tr-TR" sz="3300" b="1" dirty="0">
               <a:solidFill>
@@ -41199,7 +41177,7 @@
         <p:spPr>
           <a:xfrm>
             <a:off x="13138596" y="1040631"/>
-            <a:ext cx="5008241" cy="784830"/>
+            <a:ext cx="5008241" cy="646331"/>
           </a:xfrm>
           <a:prstGeom prst="rect">
             <a:avLst/>
@@ -41214,7 +41192,7 @@
           <a:p>
             <a:pPr algn="ctr"/>
             <a:r>
-              <a:rPr lang="en-US" sz="4500" b="1" dirty="0" smtClean="0">
+              <a:rPr lang="en-US" sz="3600" b="1" dirty="0" smtClean="0">
                 <a:solidFill>
                   <a:schemeClr val="bg1">
                     <a:lumMod val="95000"/>
@@ -41224,61 +41202,25 @@
                 <a:ea typeface="Open Sans" pitchFamily="34" charset="0"/>
                 <a:cs typeface="Open Sans" pitchFamily="34" charset="0"/>
               </a:rPr>
-              <a:t>SECOND COLUMN</a:t>
+              <a:t>Naissance de </a:t>
             </a:r>
-            <a:endParaRPr lang="tr-TR" sz="4500" b="1" dirty="0">
+            <a:r>
+              <a:rPr lang="en-US" sz="3600" b="1" dirty="0" err="1" smtClean="0">
+                <a:solidFill>
+                  <a:schemeClr val="bg1">
+                    <a:lumMod val="95000"/>
+                  </a:schemeClr>
+                </a:solidFill>
+                <a:latin typeface="Caviar Dreams" pitchFamily="34" charset="-94"/>
+                <a:ea typeface="Open Sans" pitchFamily="34" charset="0"/>
+                <a:cs typeface="Open Sans" pitchFamily="34" charset="0"/>
+              </a:rPr>
+              <a:t>RSmart</a:t>
+            </a:r>
+            <a:endParaRPr lang="tr-TR" sz="3600" b="1" dirty="0">
               <a:solidFill>
                 <a:schemeClr val="bg1">
                   <a:lumMod val="95000"/>
-                </a:schemeClr>
-              </a:solidFill>
-              <a:latin typeface="Caviar Dreams" pitchFamily="34" charset="-94"/>
-              <a:ea typeface="Open Sans" pitchFamily="34" charset="0"/>
-              <a:cs typeface="Open Sans" pitchFamily="34" charset="0"/>
-            </a:endParaRPr>
-          </a:p>
-        </p:txBody>
-      </p:sp>
-      <p:sp>
-        <p:nvSpPr>
-          <p:cNvPr id="14" name="TextBox 13"/>
-          <p:cNvSpPr txBox="1"/>
-          <p:nvPr/>
-        </p:nvSpPr>
-        <p:spPr>
-          <a:xfrm>
-            <a:off x="9577635" y="2490945"/>
-            <a:ext cx="7888561" cy="6186309"/>
-          </a:xfrm>
-          <a:prstGeom prst="rect">
-            <a:avLst/>
-          </a:prstGeom>
-          <a:noFill/>
-        </p:spPr>
-        <p:txBody>
-          <a:bodyPr wrap="square" rtlCol="0">
-            <a:spAutoFit/>
-          </a:bodyPr>
-          <a:lstStyle/>
-          <a:p>
-            <a:pPr algn="r"/>
-            <a:r>
-              <a:rPr lang="tr-TR" sz="3300" b="1" dirty="0">
-                <a:solidFill>
-                  <a:schemeClr val="tx1">
-                    <a:lumMod val="65000"/>
-                    <a:lumOff val="35000"/>
-                  </a:schemeClr>
-                </a:solidFill>
-                <a:latin typeface="Caviar Dreams" pitchFamily="34" charset="-94"/>
-              </a:rPr>
-              <a:t>Pellentesque malesuada nulla a mi. Duis sapien sem, aliquet nec, commodo eget, consequat quis, neque. Aliquam faucibus, elit ut dictum aliquet, felis nisl adipiscing sapien, sed malesuada diam lacus eget erat. Cras mollis scelerisque nunc. Nullam arcu. Aliquam consequat. Curabitur augue lorem, dapibus quis, laoreet et, pretium ac, nisi. Aenean magna nisl, mollis quis, molestie eu, feugiat in, orci. In hac habitasse platea dictumst.</a:t>
-            </a:r>
-            <a:endParaRPr lang="tr-TR" sz="3300" b="1" dirty="0">
-              <a:solidFill>
-                <a:schemeClr val="tx1">
-                  <a:lumMod val="65000"/>
-                  <a:lumOff val="35000"/>
                 </a:schemeClr>
               </a:solidFill>
               <a:latin typeface="Caviar Dreams" pitchFamily="34" charset="-94"/>
@@ -41370,6 +41312,246 @@
                 <a:cs typeface="Open Sans" pitchFamily="34" charset="0"/>
               </a:rPr>
               <a:t>R</a:t>
+            </a:r>
+            <a:endParaRPr lang="tr-TR" sz="3300" b="1" dirty="0">
+              <a:solidFill>
+                <a:schemeClr val="tx1">
+                  <a:lumMod val="65000"/>
+                  <a:lumOff val="35000"/>
+                </a:schemeClr>
+              </a:solidFill>
+              <a:latin typeface="Caviar Dreams" pitchFamily="34" charset="-94"/>
+              <a:ea typeface="Open Sans" pitchFamily="34" charset="0"/>
+              <a:cs typeface="Open Sans" pitchFamily="34" charset="0"/>
+            </a:endParaRPr>
+          </a:p>
+        </p:txBody>
+      </p:sp>
+      <p:sp>
+        <p:nvSpPr>
+          <p:cNvPr id="18" name="TextBox 12"/>
+          <p:cNvSpPr txBox="1"/>
+          <p:nvPr/>
+        </p:nvSpPr>
+        <p:spPr>
+          <a:xfrm>
+            <a:off x="928425" y="4181066"/>
+            <a:ext cx="7888561" cy="1107996"/>
+          </a:xfrm>
+          <a:prstGeom prst="rect">
+            <a:avLst/>
+          </a:prstGeom>
+          <a:noFill/>
+        </p:spPr>
+        <p:txBody>
+          <a:bodyPr wrap="square" rtlCol="0">
+            <a:spAutoFit/>
+          </a:bodyPr>
+          <a:lstStyle/>
+          <a:p>
+            <a:r>
+              <a:rPr lang="fr-FR" sz="3300" b="1" dirty="0" smtClean="0">
+                <a:solidFill>
+                  <a:schemeClr val="tx1">
+                    <a:lumMod val="65000"/>
+                    <a:lumOff val="35000"/>
+                  </a:schemeClr>
+                </a:solidFill>
+                <a:latin typeface="Caviar Dreams" pitchFamily="34" charset="-94"/>
+              </a:rPr>
+              <a:t>- Volonté d’initier les étudiants à la robotique</a:t>
+            </a:r>
+            <a:endParaRPr lang="tr-TR" sz="3300" b="1" dirty="0">
+              <a:solidFill>
+                <a:schemeClr val="tx1">
+                  <a:lumMod val="65000"/>
+                  <a:lumOff val="35000"/>
+                </a:schemeClr>
+              </a:solidFill>
+              <a:latin typeface="Caviar Dreams" pitchFamily="34" charset="-94"/>
+              <a:ea typeface="Open Sans" pitchFamily="34" charset="0"/>
+              <a:cs typeface="Open Sans" pitchFamily="34" charset="0"/>
+            </a:endParaRPr>
+          </a:p>
+        </p:txBody>
+      </p:sp>
+      <p:sp>
+        <p:nvSpPr>
+          <p:cNvPr id="19" name="TextBox 12"/>
+          <p:cNvSpPr txBox="1"/>
+          <p:nvPr/>
+        </p:nvSpPr>
+        <p:spPr>
+          <a:xfrm>
+            <a:off x="896985" y="5871187"/>
+            <a:ext cx="7888561" cy="1107996"/>
+          </a:xfrm>
+          <a:prstGeom prst="rect">
+            <a:avLst/>
+          </a:prstGeom>
+          <a:noFill/>
+        </p:spPr>
+        <p:txBody>
+          <a:bodyPr wrap="square" rtlCol="0">
+            <a:spAutoFit/>
+          </a:bodyPr>
+          <a:lstStyle/>
+          <a:p>
+            <a:r>
+              <a:rPr lang="fr-FR" sz="3300" b="1" dirty="0" smtClean="0">
+                <a:solidFill>
+                  <a:schemeClr val="tx1">
+                    <a:lumMod val="65000"/>
+                    <a:lumOff val="35000"/>
+                  </a:schemeClr>
+                </a:solidFill>
+                <a:latin typeface="Caviar Dreams" pitchFamily="34" charset="-94"/>
+              </a:rPr>
+              <a:t>- Projet initialement créer par des étudiants de semestre 5</a:t>
+            </a:r>
+            <a:endParaRPr lang="tr-TR" sz="3300" b="1" dirty="0">
+              <a:solidFill>
+                <a:schemeClr val="tx1">
+                  <a:lumMod val="65000"/>
+                  <a:lumOff val="35000"/>
+                </a:schemeClr>
+              </a:solidFill>
+              <a:latin typeface="Caviar Dreams" pitchFamily="34" charset="-94"/>
+              <a:ea typeface="Open Sans" pitchFamily="34" charset="0"/>
+              <a:cs typeface="Open Sans" pitchFamily="34" charset="0"/>
+            </a:endParaRPr>
+          </a:p>
+        </p:txBody>
+      </p:sp>
+      <p:sp>
+        <p:nvSpPr>
+          <p:cNvPr id="20" name="TextBox 12"/>
+          <p:cNvSpPr txBox="1"/>
+          <p:nvPr/>
+        </p:nvSpPr>
+        <p:spPr>
+          <a:xfrm>
+            <a:off x="10258276" y="2490945"/>
+            <a:ext cx="7888561" cy="600164"/>
+          </a:xfrm>
+          <a:prstGeom prst="rect">
+            <a:avLst/>
+          </a:prstGeom>
+          <a:noFill/>
+        </p:spPr>
+        <p:txBody>
+          <a:bodyPr wrap="square" rtlCol="0">
+            <a:spAutoFit/>
+          </a:bodyPr>
+          <a:lstStyle/>
+          <a:p>
+            <a:r>
+              <a:rPr lang="fr-FR" sz="3300" b="1" dirty="0" smtClean="0">
+                <a:solidFill>
+                  <a:schemeClr val="tx1">
+                    <a:lumMod val="65000"/>
+                    <a:lumOff val="35000"/>
+                  </a:schemeClr>
+                </a:solidFill>
+                <a:latin typeface="Caviar Dreams" pitchFamily="34" charset="-94"/>
+              </a:rPr>
+              <a:t>- Reprise des idées initiales</a:t>
+            </a:r>
+            <a:endParaRPr lang="tr-TR" sz="3300" b="1" dirty="0">
+              <a:solidFill>
+                <a:schemeClr val="tx1">
+                  <a:lumMod val="65000"/>
+                  <a:lumOff val="35000"/>
+                </a:schemeClr>
+              </a:solidFill>
+              <a:latin typeface="Caviar Dreams" pitchFamily="34" charset="-94"/>
+              <a:ea typeface="Open Sans" pitchFamily="34" charset="0"/>
+              <a:cs typeface="Open Sans" pitchFamily="34" charset="0"/>
+            </a:endParaRPr>
+          </a:p>
+        </p:txBody>
+      </p:sp>
+      <p:sp>
+        <p:nvSpPr>
+          <p:cNvPr id="21" name="TextBox 12"/>
+          <p:cNvSpPr txBox="1"/>
+          <p:nvPr/>
+        </p:nvSpPr>
+        <p:spPr>
+          <a:xfrm>
+            <a:off x="10289715" y="4181066"/>
+            <a:ext cx="7888561" cy="600164"/>
+          </a:xfrm>
+          <a:prstGeom prst="rect">
+            <a:avLst/>
+          </a:prstGeom>
+          <a:noFill/>
+        </p:spPr>
+        <p:txBody>
+          <a:bodyPr wrap="square" rtlCol="0">
+            <a:spAutoFit/>
+          </a:bodyPr>
+          <a:lstStyle/>
+          <a:p>
+            <a:r>
+              <a:rPr lang="fr-FR" sz="3300" b="1" dirty="0" smtClean="0">
+                <a:solidFill>
+                  <a:schemeClr val="tx1">
+                    <a:lumMod val="65000"/>
+                    <a:lumOff val="35000"/>
+                  </a:schemeClr>
+                </a:solidFill>
+                <a:latin typeface="Caviar Dreams" pitchFamily="34" charset="-94"/>
+              </a:rPr>
+              <a:t>- Ajout de nouvelles idées</a:t>
+            </a:r>
+            <a:endParaRPr lang="tr-TR" sz="3300" b="1" dirty="0">
+              <a:solidFill>
+                <a:schemeClr val="tx1">
+                  <a:lumMod val="65000"/>
+                  <a:lumOff val="35000"/>
+                </a:schemeClr>
+              </a:solidFill>
+              <a:latin typeface="Caviar Dreams" pitchFamily="34" charset="-94"/>
+              <a:ea typeface="Open Sans" pitchFamily="34" charset="0"/>
+              <a:cs typeface="Open Sans" pitchFamily="34" charset="0"/>
+            </a:endParaRPr>
+          </a:p>
+        </p:txBody>
+      </p:sp>
+      <p:sp>
+        <p:nvSpPr>
+          <p:cNvPr id="22" name="TextBox 12"/>
+          <p:cNvSpPr txBox="1"/>
+          <p:nvPr/>
+        </p:nvSpPr>
+        <p:spPr>
+          <a:xfrm>
+            <a:off x="10258275" y="5871187"/>
+            <a:ext cx="7888561" cy="1107996"/>
+          </a:xfrm>
+          <a:prstGeom prst="rect">
+            <a:avLst/>
+          </a:prstGeom>
+          <a:noFill/>
+        </p:spPr>
+        <p:txBody>
+          <a:bodyPr wrap="square" rtlCol="0">
+            <a:spAutoFit/>
+          </a:bodyPr>
+          <a:lstStyle/>
+          <a:p>
+            <a:r>
+              <a:rPr lang="fr-FR" sz="3300" b="1" dirty="0" smtClean="0">
+                <a:solidFill>
+                  <a:schemeClr val="tx1">
+                    <a:lumMod val="65000"/>
+                    <a:lumOff val="35000"/>
+                  </a:schemeClr>
+                </a:solidFill>
+                <a:latin typeface="Caviar Dreams" pitchFamily="34" charset="-94"/>
+              </a:rPr>
+              <a:t>- Volonté de découvrir de nouvelles technologies</a:t>
             </a:r>
             <a:endParaRPr lang="tr-TR" sz="3300" b="1" dirty="0">
               <a:solidFill>
@@ -41538,21 +41720,30 @@
                             </p:childTnLst>
                           </p:cTn>
                         </p:par>
+                      </p:childTnLst>
+                    </p:cTn>
+                  </p:par>
+                  <p:par>
+                    <p:cTn id="14" fill="hold">
+                      <p:stCondLst>
+                        <p:cond delay="indefinite"/>
+                      </p:stCondLst>
+                      <p:childTnLst>
                         <p:par>
-                          <p:cTn id="14" fill="hold">
+                          <p:cTn id="15" fill="hold">
                             <p:stCondLst>
-                              <p:cond delay="500"/>
+                              <p:cond delay="0"/>
                             </p:stCondLst>
                             <p:childTnLst>
                               <p:par>
-                                <p:cTn id="15" presetID="10" presetClass="entr" presetSubtype="0" fill="hold" grpId="0" nodeType="afterEffect">
+                                <p:cTn id="16" presetID="10" presetClass="entr" presetSubtype="0" fill="hold" grpId="0" nodeType="clickEffect">
                                   <p:stCondLst>
                                     <p:cond delay="0"/>
                                   </p:stCondLst>
                                   <p:childTnLst>
                                     <p:set>
                                       <p:cBhvr>
-                                        <p:cTn id="16" dur="1" fill="hold">
+                                        <p:cTn id="17" dur="1" fill="hold">
                                           <p:stCondLst>
                                             <p:cond delay="0"/>
                                           </p:stCondLst>
@@ -41570,9 +41761,203 @@
                                     </p:set>
                                     <p:animEffect transition="in" filter="fade">
                                       <p:cBhvr>
-                                        <p:cTn id="17" dur="500"/>
+                                        <p:cTn id="18" dur="500"/>
                                         <p:tgtEl>
                                           <p:spTgt spid="13"/>
+                                        </p:tgtEl>
+                                      </p:cBhvr>
+                                    </p:animEffect>
+                                  </p:childTnLst>
+                                </p:cTn>
+                              </p:par>
+                            </p:childTnLst>
+                          </p:cTn>
+                        </p:par>
+                      </p:childTnLst>
+                    </p:cTn>
+                  </p:par>
+                  <p:par>
+                    <p:cTn id="19" fill="hold">
+                      <p:stCondLst>
+                        <p:cond delay="indefinite"/>
+                      </p:stCondLst>
+                      <p:childTnLst>
+                        <p:par>
+                          <p:cTn id="20" fill="hold">
+                            <p:stCondLst>
+                              <p:cond delay="0"/>
+                            </p:stCondLst>
+                            <p:childTnLst>
+                              <p:par>
+                                <p:cTn id="21" presetID="10" presetClass="entr" presetSubtype="0" fill="hold" grpId="0" nodeType="clickEffect">
+                                  <p:stCondLst>
+                                    <p:cond delay="0"/>
+                                  </p:stCondLst>
+                                  <p:childTnLst>
+                                    <p:set>
+                                      <p:cBhvr>
+                                        <p:cTn id="22" dur="1" fill="hold">
+                                          <p:stCondLst>
+                                            <p:cond delay="0"/>
+                                          </p:stCondLst>
+                                        </p:cTn>
+                                        <p:tgtEl>
+                                          <p:spTgt spid="18"/>
+                                        </p:tgtEl>
+                                        <p:attrNameLst>
+                                          <p:attrName>style.visibility</p:attrName>
+                                        </p:attrNameLst>
+                                      </p:cBhvr>
+                                      <p:to>
+                                        <p:strVal val="visible"/>
+                                      </p:to>
+                                    </p:set>
+                                    <p:animEffect transition="in" filter="fade">
+                                      <p:cBhvr>
+                                        <p:cTn id="23" dur="500"/>
+                                        <p:tgtEl>
+                                          <p:spTgt spid="18"/>
+                                        </p:tgtEl>
+                                      </p:cBhvr>
+                                    </p:animEffect>
+                                  </p:childTnLst>
+                                </p:cTn>
+                              </p:par>
+                            </p:childTnLst>
+                          </p:cTn>
+                        </p:par>
+                      </p:childTnLst>
+                    </p:cTn>
+                  </p:par>
+                  <p:par>
+                    <p:cTn id="24" fill="hold">
+                      <p:stCondLst>
+                        <p:cond delay="indefinite"/>
+                      </p:stCondLst>
+                      <p:childTnLst>
+                        <p:par>
+                          <p:cTn id="25" fill="hold">
+                            <p:stCondLst>
+                              <p:cond delay="0"/>
+                            </p:stCondLst>
+                            <p:childTnLst>
+                              <p:par>
+                                <p:cTn id="26" presetID="10" presetClass="entr" presetSubtype="0" fill="hold" grpId="0" nodeType="clickEffect">
+                                  <p:stCondLst>
+                                    <p:cond delay="0"/>
+                                  </p:stCondLst>
+                                  <p:childTnLst>
+                                    <p:set>
+                                      <p:cBhvr>
+                                        <p:cTn id="27" dur="1" fill="hold">
+                                          <p:stCondLst>
+                                            <p:cond delay="0"/>
+                                          </p:stCondLst>
+                                        </p:cTn>
+                                        <p:tgtEl>
+                                          <p:spTgt spid="19"/>
+                                        </p:tgtEl>
+                                        <p:attrNameLst>
+                                          <p:attrName>style.visibility</p:attrName>
+                                        </p:attrNameLst>
+                                      </p:cBhvr>
+                                      <p:to>
+                                        <p:strVal val="visible"/>
+                                      </p:to>
+                                    </p:set>
+                                    <p:animEffect transition="in" filter="fade">
+                                      <p:cBhvr>
+                                        <p:cTn id="28" dur="500"/>
+                                        <p:tgtEl>
+                                          <p:spTgt spid="19"/>
+                                        </p:tgtEl>
+                                      </p:cBhvr>
+                                    </p:animEffect>
+                                  </p:childTnLst>
+                                </p:cTn>
+                              </p:par>
+                            </p:childTnLst>
+                          </p:cTn>
+                        </p:par>
+                      </p:childTnLst>
+                    </p:cTn>
+                  </p:par>
+                  <p:par>
+                    <p:cTn id="29" fill="hold">
+                      <p:stCondLst>
+                        <p:cond delay="indefinite"/>
+                      </p:stCondLst>
+                      <p:childTnLst>
+                        <p:par>
+                          <p:cTn id="30" fill="hold">
+                            <p:stCondLst>
+                              <p:cond delay="0"/>
+                            </p:stCondLst>
+                            <p:childTnLst>
+                              <p:par>
+                                <p:cTn id="31" presetID="10" presetClass="entr" presetSubtype="0" fill="hold" grpId="0" nodeType="clickEffect">
+                                  <p:stCondLst>
+                                    <p:cond delay="0"/>
+                                  </p:stCondLst>
+                                  <p:childTnLst>
+                                    <p:set>
+                                      <p:cBhvr>
+                                        <p:cTn id="32" dur="1" fill="hold">
+                                          <p:stCondLst>
+                                            <p:cond delay="0"/>
+                                          </p:stCondLst>
+                                        </p:cTn>
+                                        <p:tgtEl>
+                                          <p:spTgt spid="8"/>
+                                        </p:tgtEl>
+                                        <p:attrNameLst>
+                                          <p:attrName>style.visibility</p:attrName>
+                                        </p:attrNameLst>
+                                      </p:cBhvr>
+                                      <p:to>
+                                        <p:strVal val="visible"/>
+                                      </p:to>
+                                    </p:set>
+                                    <p:animEffect transition="in" filter="fade">
+                                      <p:cBhvr>
+                                        <p:cTn id="33" dur="500"/>
+                                        <p:tgtEl>
+                                          <p:spTgt spid="8"/>
+                                        </p:tgtEl>
+                                      </p:cBhvr>
+                                    </p:animEffect>
+                                  </p:childTnLst>
+                                </p:cTn>
+                              </p:par>
+                              <p:par>
+                                <p:cTn id="34" presetID="10" presetClass="entr" presetSubtype="0" fill="hold" grpId="0" nodeType="withEffect">
+                                  <p:stCondLst>
+                                    <p:cond delay="0"/>
+                                  </p:stCondLst>
+                                  <p:childTnLst>
+                                    <p:set>
+                                      <p:cBhvr>
+                                        <p:cTn id="35" dur="1" fill="hold">
+                                          <p:stCondLst>
+                                            <p:cond delay="0"/>
+                                          </p:stCondLst>
+                                        </p:cTn>
+                                        <p:tgtEl>
+                                          <p:spTgt spid="11"/>
+                                        </p:tgtEl>
+                                        <p:attrNameLst>
+                                          <p:attrName>style.visibility</p:attrName>
+                                        </p:attrNameLst>
+                                      </p:cBhvr>
+                                      <p:to>
+                                        <p:strVal val="visible"/>
+                                      </p:to>
+                                    </p:set>
+                                    <p:animEffect transition="in" filter="fade">
+                                      <p:cBhvr>
+                                        <p:cTn id="36" dur="500"/>
+                                        <p:tgtEl>
+                                          <p:spTgt spid="11"/>
                                         </p:tgtEl>
                                       </p:cBhvr>
                                     </p:animEffect>
@@ -41583,20 +41968,20 @@
                           </p:cTn>
                         </p:par>
                         <p:par>
-                          <p:cTn id="18" fill="hold">
+                          <p:cTn id="37" fill="hold">
                             <p:stCondLst>
-                              <p:cond delay="1000"/>
+                              <p:cond delay="500"/>
                             </p:stCondLst>
                             <p:childTnLst>
                               <p:par>
-                                <p:cTn id="19" presetID="10" presetClass="entr" presetSubtype="0" fill="hold" grpId="0" nodeType="afterEffect">
+                                <p:cTn id="38" presetID="10" presetClass="entr" presetSubtype="0" fill="hold" grpId="0" nodeType="afterEffect">
                                   <p:stCondLst>
                                     <p:cond delay="0"/>
                                   </p:stCondLst>
                                   <p:childTnLst>
                                     <p:set>
                                       <p:cBhvr>
-                                        <p:cTn id="20" dur="1" fill="hold">
+                                        <p:cTn id="39" dur="1" fill="hold">
                                           <p:stCondLst>
                                             <p:cond delay="0"/>
                                           </p:stCondLst>
@@ -41614,79 +41999,9 @@
                                     </p:set>
                                     <p:animEffect transition="in" filter="fade">
                                       <p:cBhvr>
-                                        <p:cTn id="21" dur="500"/>
+                                        <p:cTn id="40" dur="500"/>
                                         <p:tgtEl>
                                           <p:spTgt spid="7"/>
-                                        </p:tgtEl>
-                                      </p:cBhvr>
-                                    </p:animEffect>
-                                  </p:childTnLst>
-                                </p:cTn>
-                              </p:par>
-                              <p:par>
-                                <p:cTn id="22" presetID="10" presetClass="entr" presetSubtype="0" fill="hold" grpId="0" nodeType="withEffect">
-                                  <p:stCondLst>
-                                    <p:cond delay="0"/>
-                                  </p:stCondLst>
-                                  <p:childTnLst>
-                                    <p:set>
-                                      <p:cBhvr>
-                                        <p:cTn id="23" dur="1" fill="hold">
-                                          <p:stCondLst>
-                                            <p:cond delay="0"/>
-                                          </p:stCondLst>
-                                        </p:cTn>
-                                        <p:tgtEl>
-                                          <p:spTgt spid="8"/>
-                                        </p:tgtEl>
-                                        <p:attrNameLst>
-                                          <p:attrName>style.visibility</p:attrName>
-                                        </p:attrNameLst>
-                                      </p:cBhvr>
-                                      <p:to>
-                                        <p:strVal val="visible"/>
-                                      </p:to>
-                                    </p:set>
-                                    <p:animEffect transition="in" filter="fade">
-                                      <p:cBhvr>
-                                        <p:cTn id="24" dur="500"/>
-                                        <p:tgtEl>
-                                          <p:spTgt spid="8"/>
-                                        </p:tgtEl>
-                                      </p:cBhvr>
-                                    </p:animEffect>
-                                  </p:childTnLst>
-                                </p:cTn>
-                              </p:par>
-                              <p:par>
-                                <p:cTn id="25" presetID="10" presetClass="entr" presetSubtype="0" fill="hold" grpId="0" nodeType="withEffect">
-                                  <p:stCondLst>
-                                    <p:cond delay="0"/>
-                                  </p:stCondLst>
-                                  <p:childTnLst>
-                                    <p:set>
-                                      <p:cBhvr>
-                                        <p:cTn id="26" dur="1" fill="hold">
-                                          <p:stCondLst>
-                                            <p:cond delay="0"/>
-                                          </p:stCondLst>
-                                        </p:cTn>
-                                        <p:tgtEl>
-                                          <p:spTgt spid="11"/>
-                                        </p:tgtEl>
-                                        <p:attrNameLst>
-                                          <p:attrName>style.visibility</p:attrName>
-                                        </p:attrNameLst>
-                                      </p:cBhvr>
-                                      <p:to>
-                                        <p:strVal val="visible"/>
-                                      </p:to>
-                                    </p:set>
-                                    <p:animEffect transition="in" filter="fade">
-                                      <p:cBhvr>
-                                        <p:cTn id="27" dur="500"/>
-                                        <p:tgtEl>
-                                          <p:spTgt spid="11"/>
                                         </p:tgtEl>
                                       </p:cBhvr>
                                     </p:animEffect>
@@ -41696,27 +42011,36 @@
                             </p:childTnLst>
                           </p:cTn>
                         </p:par>
+                      </p:childTnLst>
+                    </p:cTn>
+                  </p:par>
+                  <p:par>
+                    <p:cTn id="41" fill="hold">
+                      <p:stCondLst>
+                        <p:cond delay="indefinite"/>
+                      </p:stCondLst>
+                      <p:childTnLst>
                         <p:par>
-                          <p:cTn id="28" fill="hold">
+                          <p:cTn id="42" fill="hold">
                             <p:stCondLst>
-                              <p:cond delay="1500"/>
+                              <p:cond delay="0"/>
                             </p:stCondLst>
                             <p:childTnLst>
                               <p:par>
-                                <p:cTn id="29" presetID="10" presetClass="entr" presetSubtype="0" fill="hold" grpId="0" nodeType="afterEffect">
+                                <p:cTn id="43" presetID="10" presetClass="entr" presetSubtype="0" fill="hold" grpId="0" nodeType="clickEffect">
                                   <p:stCondLst>
                                     <p:cond delay="0"/>
                                   </p:stCondLst>
                                   <p:childTnLst>
                                     <p:set>
                                       <p:cBhvr>
-                                        <p:cTn id="30" dur="1" fill="hold">
+                                        <p:cTn id="44" dur="1" fill="hold">
                                           <p:stCondLst>
                                             <p:cond delay="0"/>
                                           </p:stCondLst>
                                         </p:cTn>
                                         <p:tgtEl>
-                                          <p:spTgt spid="14"/>
+                                          <p:spTgt spid="20"/>
                                         </p:tgtEl>
                                         <p:attrNameLst>
                                           <p:attrName>style.visibility</p:attrName>
@@ -41728,9 +42052,115 @@
                                     </p:set>
                                     <p:animEffect transition="in" filter="fade">
                                       <p:cBhvr>
-                                        <p:cTn id="31" dur="500"/>
-                                        <p:tgtEl>
-                                          <p:spTgt spid="14"/>
+                                        <p:cTn id="45" dur="500"/>
+                                        <p:tgtEl>
+                                          <p:spTgt spid="20"/>
+                                        </p:tgtEl>
+                                      </p:cBhvr>
+                                    </p:animEffect>
+                                  </p:childTnLst>
+                                </p:cTn>
+                              </p:par>
+                            </p:childTnLst>
+                          </p:cTn>
+                        </p:par>
+                      </p:childTnLst>
+                    </p:cTn>
+                  </p:par>
+                  <p:par>
+                    <p:cTn id="46" fill="hold">
+                      <p:stCondLst>
+                        <p:cond delay="indefinite"/>
+                      </p:stCondLst>
+                      <p:childTnLst>
+                        <p:par>
+                          <p:cTn id="47" fill="hold">
+                            <p:stCondLst>
+                              <p:cond delay="0"/>
+                            </p:stCondLst>
+                            <p:childTnLst>
+                              <p:par>
+                                <p:cTn id="48" presetID="10" presetClass="entr" presetSubtype="0" fill="hold" grpId="0" nodeType="clickEffect">
+                                  <p:stCondLst>
+                                    <p:cond delay="0"/>
+                                  </p:stCondLst>
+                                  <p:childTnLst>
+                                    <p:set>
+                                      <p:cBhvr>
+                                        <p:cTn id="49" dur="1" fill="hold">
+                                          <p:stCondLst>
+                                            <p:cond delay="0"/>
+                                          </p:stCondLst>
+                                        </p:cTn>
+                                        <p:tgtEl>
+                                          <p:spTgt spid="21"/>
+                                        </p:tgtEl>
+                                        <p:attrNameLst>
+                                          <p:attrName>style.visibility</p:attrName>
+                                        </p:attrNameLst>
+                                      </p:cBhvr>
+                                      <p:to>
+                                        <p:strVal val="visible"/>
+                                      </p:to>
+                                    </p:set>
+                                    <p:animEffect transition="in" filter="fade">
+                                      <p:cBhvr>
+                                        <p:cTn id="50" dur="500"/>
+                                        <p:tgtEl>
+                                          <p:spTgt spid="21"/>
+                                        </p:tgtEl>
+                                      </p:cBhvr>
+                                    </p:animEffect>
+                                  </p:childTnLst>
+                                </p:cTn>
+                              </p:par>
+                            </p:childTnLst>
+                          </p:cTn>
+                        </p:par>
+                      </p:childTnLst>
+                    </p:cTn>
+                  </p:par>
+                  <p:par>
+                    <p:cTn id="51" fill="hold">
+                      <p:stCondLst>
+                        <p:cond delay="indefinite"/>
+                      </p:stCondLst>
+                      <p:childTnLst>
+                        <p:par>
+                          <p:cTn id="52" fill="hold">
+                            <p:stCondLst>
+                              <p:cond delay="0"/>
+                            </p:stCondLst>
+                            <p:childTnLst>
+                              <p:par>
+                                <p:cTn id="53" presetID="10" presetClass="entr" presetSubtype="0" fill="hold" grpId="0" nodeType="clickEffect">
+                                  <p:stCondLst>
+                                    <p:cond delay="0"/>
+                                  </p:stCondLst>
+                                  <p:childTnLst>
+                                    <p:set>
+                                      <p:cBhvr>
+                                        <p:cTn id="54" dur="1" fill="hold">
+                                          <p:stCondLst>
+                                            <p:cond delay="0"/>
+                                          </p:stCondLst>
+                                        </p:cTn>
+                                        <p:tgtEl>
+                                          <p:spTgt spid="22"/>
+                                        </p:tgtEl>
+                                        <p:attrNameLst>
+                                          <p:attrName>style.visibility</p:attrName>
+                                        </p:attrNameLst>
+                                      </p:cBhvr>
+                                      <p:to>
+                                        <p:strVal val="visible"/>
+                                      </p:to>
+                                    </p:set>
+                                    <p:animEffect transition="in" filter="fade">
+                                      <p:cBhvr>
+                                        <p:cTn id="55" dur="500"/>
+                                        <p:tgtEl>
+                                          <p:spTgt spid="22"/>
                                         </p:tgtEl>
                                       </p:cBhvr>
                                     </p:animEffect>
@@ -41772,7 +42202,11 @@
       <p:bldP spid="7" grpId="0" animBg="1"/>
       <p:bldP spid="8" grpId="0" animBg="1"/>
       <p:bldP spid="11" grpId="0"/>
-      <p:bldP spid="14" grpId="0"/>
+      <p:bldP spid="18" grpId="0"/>
+      <p:bldP spid="19" grpId="0"/>
+      <p:bldP spid="20" grpId="0"/>
+      <p:bldP spid="21" grpId="0"/>
+      <p:bldP spid="22" grpId="0"/>
     </p:bldLst>
   </p:timing>
 </p:sld>
@@ -42002,7 +42436,7 @@
           <a:lstStyle/>
           <a:p>
             <a:r>
-              <a:rPr lang="tr-TR" sz="3300" b="1" dirty="0">
+              <a:rPr lang="fr-FR" sz="3300" b="1" dirty="0">
                 <a:solidFill>
                   <a:schemeClr val="tx1">
                     <a:lumMod val="65000"/>
@@ -42011,7 +42445,19 @@
                 </a:solidFill>
                 <a:latin typeface="Bebas Neue" panose="020B0606020202050201" pitchFamily="34" charset="0"/>
               </a:rPr>
-              <a:t>Curabitur pretium tincidunt lacus. Nulla gravida orci a odio. </a:t>
+              <a:t>Contrôler le robot grâce à une carte </a:t>
+            </a:r>
+            <a:r>
+              <a:rPr lang="fr-FR" sz="3300" b="1" dirty="0" err="1">
+                <a:solidFill>
+                  <a:schemeClr val="tx1">
+                    <a:lumMod val="65000"/>
+                    <a:lumOff val="35000"/>
+                  </a:schemeClr>
+                </a:solidFill>
+                <a:latin typeface="Bebas Neue" panose="020B0606020202050201" pitchFamily="34" charset="0"/>
+              </a:rPr>
+              <a:t>NetDuino</a:t>
             </a:r>
             <a:endParaRPr lang="tr-TR" sz="3300" b="1" dirty="0">
               <a:solidFill>
@@ -42254,7 +42700,7 @@
           <a:lstStyle/>
           <a:p>
             <a:r>
-              <a:rPr lang="tr-TR" sz="3300" b="1" dirty="0">
+              <a:rPr lang="fr-FR" sz="3300" dirty="0">
                 <a:solidFill>
                   <a:schemeClr val="tx1">
                     <a:lumMod val="65000"/>
@@ -42263,9 +42709,9 @@
                 </a:solidFill>
                 <a:latin typeface="Bebas Neue" panose="020B0606020202050201" pitchFamily="34" charset="0"/>
               </a:rPr>
-              <a:t>Pellentesque malesuada nulla a mi. Duis sapien sem</a:t>
+              <a:t>Pouvoir détecter son environnement (murs, portes etc…) </a:t>
             </a:r>
-            <a:endParaRPr lang="tr-TR" sz="3300" b="1" dirty="0">
+            <a:endParaRPr lang="tr-TR" sz="3300" dirty="0">
               <a:solidFill>
                 <a:schemeClr val="tx1">
                   <a:lumMod val="65000"/>
@@ -42302,7 +42748,7 @@
           <a:lstStyle/>
           <a:p>
             <a:r>
-              <a:rPr lang="tr-TR" sz="3300" b="1" dirty="0">
+              <a:rPr lang="fr-FR" sz="3300" b="1" dirty="0">
                 <a:solidFill>
                   <a:schemeClr val="tx1">
                     <a:lumMod val="65000"/>
@@ -42311,7 +42757,7 @@
                 </a:solidFill>
                 <a:latin typeface="Bebas Neue" panose="020B0606020202050201" pitchFamily="34" charset="0"/>
               </a:rPr>
-              <a:t>Curabitur pretium tincidunt lacus. Nulla gravida orci a odio. </a:t>
+              <a:t>Pouvoir connaitre la position du robot dans l’environnement</a:t>
             </a:r>
             <a:endParaRPr lang="tr-TR" sz="3300" b="1" dirty="0">
               <a:solidFill>
@@ -42350,7 +42796,7 @@
           <a:lstStyle/>
           <a:p>
             <a:r>
-              <a:rPr lang="tr-TR" sz="3300" b="1" dirty="0">
+              <a:rPr lang="fr-FR" sz="3300" b="1" dirty="0">
                 <a:solidFill>
                   <a:schemeClr val="tx1">
                     <a:lumMod val="65000"/>
@@ -42359,7 +42805,7 @@
                 </a:solidFill>
                 <a:latin typeface="Bebas Neue" panose="020B0606020202050201" pitchFamily="34" charset="0"/>
               </a:rPr>
-              <a:t>Pellentesque malesuada nulla a mi. Duis sapien sem</a:t>
+              <a:t>Réaliser une cartographie de son environnement</a:t>
             </a:r>
             <a:endParaRPr lang="tr-TR" sz="3300" b="1" dirty="0">
               <a:solidFill>
@@ -42398,7 +42844,7 @@
           <a:lstStyle/>
           <a:p>
             <a:r>
-              <a:rPr lang="tr-TR" sz="3300" b="1" dirty="0">
+              <a:rPr lang="fr-FR" sz="3300" b="1" dirty="0">
                 <a:solidFill>
                   <a:schemeClr val="tx1">
                     <a:lumMod val="65000"/>
@@ -42407,7 +42853,7 @@
                 </a:solidFill>
                 <a:latin typeface="Bebas Neue" panose="020B0606020202050201" pitchFamily="34" charset="0"/>
               </a:rPr>
-              <a:t>Cras mollis scelerisque nunc. Nullam arcu.</a:t>
+              <a:t>Communiquer avec un serveur afin de pouvoir effectuer de plus lourdes taches</a:t>
             </a:r>
             <a:endParaRPr lang="tr-TR" sz="3300" b="1" dirty="0">
               <a:solidFill>
@@ -42650,7 +43096,7 @@
           <a:lstStyle/>
           <a:p>
             <a:r>
-              <a:rPr lang="tr-TR" sz="3300" b="1" dirty="0">
+              <a:rPr lang="fr-FR" sz="3300" b="1" dirty="0">
                 <a:solidFill>
                   <a:schemeClr val="tx1">
                     <a:lumMod val="65000"/>
@@ -42659,7 +43105,7 @@
                 </a:solidFill>
                 <a:latin typeface="Bebas Neue" panose="020B0606020202050201" pitchFamily="34" charset="0"/>
               </a:rPr>
-              <a:t>Curabitur pretium tincidunt lacus. Nulla gravida orci a odio. </a:t>
+              <a:t>Pouvoir tracer un chemin prédéfini et le suivre</a:t>
             </a:r>
             <a:endParaRPr lang="tr-TR" sz="3300" b="1" dirty="0">
               <a:solidFill>
@@ -42684,7 +43130,7 @@
         <p:spPr>
           <a:xfrm>
             <a:off x="10513739" y="5477251"/>
-            <a:ext cx="6480720" cy="1107996"/>
+            <a:ext cx="6480720" cy="600164"/>
           </a:xfrm>
           <a:prstGeom prst="rect">
             <a:avLst/>
@@ -42698,7 +43144,7 @@
           <a:lstStyle/>
           <a:p>
             <a:r>
-              <a:rPr lang="tr-TR" sz="3300" b="1" dirty="0">
+              <a:rPr lang="fr-FR" sz="3300" b="1" dirty="0">
                 <a:solidFill>
                   <a:schemeClr val="tx1">
                     <a:lumMod val="65000"/>
@@ -42707,7 +43153,7 @@
                 </a:solidFill>
                 <a:latin typeface="Bebas Neue" panose="020B0606020202050201" pitchFamily="34" charset="0"/>
               </a:rPr>
-              <a:t>Aenean magna nisl, mollis quis, molestie eu</a:t>
+              <a:t>Mettre en place une reconnaissance vocale</a:t>
             </a:r>
             <a:endParaRPr lang="tr-TR" sz="3300" b="1" dirty="0">
               <a:solidFill>
@@ -42732,7 +43178,7 @@
         <p:spPr>
           <a:xfrm>
             <a:off x="10513739" y="6845403"/>
-            <a:ext cx="6480720" cy="1107996"/>
+            <a:ext cx="6480720" cy="600164"/>
           </a:xfrm>
           <a:prstGeom prst="rect">
             <a:avLst/>
@@ -42746,7 +43192,7 @@
           <a:lstStyle/>
           <a:p>
             <a:r>
-              <a:rPr lang="tr-TR" sz="3300" b="1" dirty="0">
+              <a:rPr lang="fr-FR" sz="3300" b="1" dirty="0" smtClean="0">
                 <a:solidFill>
                   <a:schemeClr val="tx1">
                     <a:lumMod val="65000"/>
@@ -42755,7 +43201,7 @@
                 </a:solidFill>
                 <a:latin typeface="Bebas Neue" panose="020B0606020202050201" pitchFamily="34" charset="0"/>
               </a:rPr>
-              <a:t>Curabitur pretium tincidunt lacus. Nulla gravida orci a odio. </a:t>
+              <a:t>Ajouter une caméra au robot</a:t>
             </a:r>
             <a:endParaRPr lang="tr-TR" sz="3300" b="1" dirty="0">
               <a:solidFill>
@@ -44126,15 +44572,6 @@
             <a:r>
               <a:rPr lang="fr-FR" sz="4800" b="1" dirty="0" err="1" smtClean="0">
                 <a:solidFill>
-                  <a:schemeClr val="accent1"/>
-                </a:solidFill>
-                <a:latin typeface="Bebas Neue" panose="020B0606020202050201" pitchFamily="34" charset="0"/>
-              </a:rPr>
-              <a:t>N</a:t>
-            </a:r>
-            <a:r>
-              <a:rPr lang="fr-FR" sz="4800" b="1" dirty="0" err="1" smtClean="0">
-                <a:solidFill>
                   <a:schemeClr val="tx1">
                     <a:lumMod val="65000"/>
                     <a:lumOff val="35000"/>
@@ -44142,7 +44579,7 @@
                 </a:solidFill>
                 <a:latin typeface="Bebas Neue" panose="020B0606020202050201" pitchFamily="34" charset="0"/>
               </a:rPr>
-              <a:t>etduino</a:t>
+              <a:t>Netduino</a:t>
             </a:r>
             <a:r>
               <a:rPr lang="fr-FR" sz="4800" b="1" dirty="0" smtClean="0">
@@ -44165,17 +44602,6 @@
             <a:r>
               <a:rPr lang="fr-FR" sz="4800" b="1" dirty="0" err="1" smtClean="0">
                 <a:solidFill>
-                  <a:schemeClr val="accent1"/>
-                </a:solidFill>
-                <a:latin typeface="Bebas Neue" panose="020B0606020202050201" pitchFamily="34" charset="0"/>
-                <a:ea typeface="Open Sans" pitchFamily="34" charset="0"/>
-                <a:cs typeface="Open Sans" pitchFamily="34" charset="0"/>
-              </a:rPr>
-              <a:t>R</a:t>
-            </a:r>
-            <a:r>
-              <a:rPr lang="fr-FR" sz="4800" b="1" dirty="0" err="1" smtClean="0">
-                <a:solidFill>
                   <a:schemeClr val="tx1">
                     <a:lumMod val="65000"/>
                     <a:lumOff val="35000"/>
@@ -44185,7 +44611,7 @@
                 <a:ea typeface="Open Sans" pitchFamily="34" charset="0"/>
                 <a:cs typeface="Open Sans" pitchFamily="34" charset="0"/>
               </a:rPr>
-              <a:t>aspberry</a:t>
+              <a:t>Raspberry</a:t>
             </a:r>
             <a:r>
               <a:rPr lang="fr-FR" sz="4800" b="1" dirty="0" smtClean="0">
@@ -44210,17 +44636,6 @@
             <a:r>
               <a:rPr lang="fr-FR" sz="4800" b="1" dirty="0" smtClean="0">
                 <a:solidFill>
-                  <a:schemeClr val="accent1"/>
-                </a:solidFill>
-                <a:latin typeface="Bebas Neue" panose="020B0606020202050201" pitchFamily="34" charset="0"/>
-                <a:ea typeface="Open Sans" pitchFamily="34" charset="0"/>
-                <a:cs typeface="Open Sans" pitchFamily="34" charset="0"/>
-              </a:rPr>
-              <a:t>C</a:t>
-            </a:r>
-            <a:r>
-              <a:rPr lang="fr-FR" sz="4800" b="1" dirty="0" smtClean="0">
-                <a:solidFill>
                   <a:schemeClr val="tx1">
                     <a:lumMod val="65000"/>
                     <a:lumOff val="35000"/>
@@ -44230,7 +44645,7 @@
                 <a:ea typeface="Open Sans" pitchFamily="34" charset="0"/>
                 <a:cs typeface="Open Sans" pitchFamily="34" charset="0"/>
               </a:rPr>
-              <a:t>hâssis </a:t>
+              <a:t>Châssis </a:t>
             </a:r>
             <a:r>
               <a:rPr lang="fr-FR" sz="4800" b="1" dirty="0" err="1" smtClean="0">
@@ -44294,17 +44709,6 @@
             <a:r>
               <a:rPr lang="fr-FR" sz="4800" b="1" dirty="0" smtClean="0">
                 <a:solidFill>
-                  <a:schemeClr val="accent1"/>
-                </a:solidFill>
-                <a:latin typeface="Bebas Neue" panose="020B0606020202050201" pitchFamily="34" charset="0"/>
-                <a:ea typeface="Open Sans" pitchFamily="34" charset="0"/>
-                <a:cs typeface="Open Sans" pitchFamily="34" charset="0"/>
-              </a:rPr>
-              <a:t>C</a:t>
-            </a:r>
-            <a:r>
-              <a:rPr lang="fr-FR" sz="4800" b="1" dirty="0" smtClean="0">
-                <a:solidFill>
                   <a:schemeClr val="tx1">
                     <a:lumMod val="65000"/>
                     <a:lumOff val="35000"/>
@@ -44314,7 +44718,7 @@
                 <a:ea typeface="Open Sans" pitchFamily="34" charset="0"/>
                 <a:cs typeface="Open Sans" pitchFamily="34" charset="0"/>
               </a:rPr>
-              <a:t>ontrôleur moteur </a:t>
+              <a:t>Contrôleur moteur </a:t>
             </a:r>
             <a:r>
               <a:rPr lang="fr-FR" sz="4800" b="1" dirty="0" err="1" smtClean="0">
@@ -44350,17 +44754,6 @@
             <a:r>
               <a:rPr lang="fr-FR" sz="4800" b="1" dirty="0" smtClean="0">
                 <a:solidFill>
-                  <a:schemeClr val="accent1"/>
-                </a:solidFill>
-                <a:latin typeface="Bebas Neue" panose="020B0606020202050201" pitchFamily="34" charset="0"/>
-                <a:ea typeface="Open Sans" pitchFamily="34" charset="0"/>
-                <a:cs typeface="Open Sans" pitchFamily="34" charset="0"/>
-              </a:rPr>
-              <a:t>W</a:t>
-            </a:r>
-            <a:r>
-              <a:rPr lang="fr-FR" sz="4800" b="1" dirty="0" smtClean="0">
-                <a:solidFill>
                   <a:schemeClr val="tx1">
                     <a:lumMod val="65000"/>
                     <a:lumOff val="35000"/>
@@ -44370,7 +44763,7 @@
                 <a:ea typeface="Open Sans" pitchFamily="34" charset="0"/>
                 <a:cs typeface="Open Sans" pitchFamily="34" charset="0"/>
               </a:rPr>
-              <a:t>ebcam </a:t>
+              <a:t>Webcam </a:t>
             </a:r>
             <a:r>
               <a:rPr lang="fr-FR" sz="4800" b="1" dirty="0" err="1" smtClean="0">
@@ -44406,17 +44799,6 @@
             <a:r>
               <a:rPr lang="fr-FR" sz="4800" b="1" dirty="0" smtClean="0">
                 <a:solidFill>
-                  <a:schemeClr val="accent1"/>
-                </a:solidFill>
-                <a:latin typeface="Bebas Neue" panose="020B0606020202050201" pitchFamily="34" charset="0"/>
-                <a:ea typeface="Open Sans" pitchFamily="34" charset="0"/>
-                <a:cs typeface="Open Sans" pitchFamily="34" charset="0"/>
-              </a:rPr>
-              <a:t>B</a:t>
-            </a:r>
-            <a:r>
-              <a:rPr lang="fr-FR" sz="4800" b="1" dirty="0" smtClean="0">
-                <a:solidFill>
                   <a:schemeClr val="tx1">
                     <a:lumMod val="65000"/>
                     <a:lumOff val="35000"/>
@@ -44426,7 +44808,7 @@
                 <a:ea typeface="Open Sans" pitchFamily="34" charset="0"/>
                 <a:cs typeface="Open Sans" pitchFamily="34" charset="0"/>
               </a:rPr>
-              <a:t>atteries </a:t>
+              <a:t>Batteries </a:t>
             </a:r>
             <a:r>
               <a:rPr lang="fr-FR" sz="4800" b="1" dirty="0" err="1" smtClean="0">
@@ -44465,17 +44847,6 @@
             <a:r>
               <a:rPr lang="fr-FR" sz="4800" b="1" dirty="0" smtClean="0">
                 <a:solidFill>
-                  <a:schemeClr val="accent1"/>
-                </a:solidFill>
-                <a:latin typeface="Bebas Neue" panose="020B0606020202050201" pitchFamily="34" charset="0"/>
-                <a:ea typeface="Open Sans" pitchFamily="34" charset="0"/>
-                <a:cs typeface="Open Sans" pitchFamily="34" charset="0"/>
-              </a:rPr>
-              <a:t>B</a:t>
-            </a:r>
-            <a:r>
-              <a:rPr lang="fr-FR" sz="4800" b="1" dirty="0" smtClean="0">
-                <a:solidFill>
                   <a:schemeClr val="tx1">
                     <a:lumMod val="65000"/>
                     <a:lumOff val="35000"/>
@@ -44485,7 +44856,7 @@
                 <a:ea typeface="Open Sans" pitchFamily="34" charset="0"/>
                 <a:cs typeface="Open Sans" pitchFamily="34" charset="0"/>
               </a:rPr>
-              <a:t>atterie 7,2V</a:t>
+              <a:t>Batterie 7,2V</a:t>
             </a:r>
           </a:p>
           <a:p>
@@ -45137,7 +45508,7 @@
           <a:p>
             <a:pPr algn="ctr"/>
             <a:r>
-              <a:rPr lang="tr-TR" sz="3300" b="1" dirty="0" smtClean="0">
+              <a:rPr lang="fr-FR" sz="3300" b="1" dirty="0" smtClean="0">
                 <a:solidFill>
                   <a:srgbClr val="565D6F"/>
                 </a:solidFill>
@@ -45145,7 +45516,7 @@
                 <a:ea typeface="Open Sans" pitchFamily="34" charset="0"/>
                 <a:cs typeface="Open Sans" pitchFamily="34" charset="0"/>
               </a:rPr>
-              <a:t>M</a:t>
+              <a:t>R</a:t>
             </a:r>
             <a:endParaRPr lang="tr-TR" sz="3300" b="1" dirty="0">
               <a:solidFill>
@@ -45167,7 +45538,7 @@
         <p:spPr>
           <a:xfrm>
             <a:off x="3276183" y="6024279"/>
-            <a:ext cx="2792155" cy="1785104"/>
+            <a:ext cx="2792155" cy="1569660"/>
           </a:xfrm>
           <a:prstGeom prst="rect">
             <a:avLst/>
@@ -45182,7 +45553,7 @@
           <a:p>
             <a:pPr algn="ctr"/>
             <a:r>
-              <a:rPr lang="tr-TR" sz="2200" b="1" dirty="0">
+              <a:rPr lang="fr-FR" b="1" dirty="0" smtClean="0">
                 <a:solidFill>
                   <a:schemeClr val="tx1">
                     <a:lumMod val="65000"/>
@@ -45191,21 +45562,9 @@
                 </a:solidFill>
                 <a:latin typeface="Bebas Neue" panose="020B0606020202050201" pitchFamily="34" charset="0"/>
               </a:rPr>
-              <a:t>Curabitur pretium tincidunt lacus. Nulla gravida orci a odio. Nullam varius, turpis et </a:t>
+              <a:t>Montage du robot, découverte de l’électronique</a:t>
             </a:r>
-            <a:r>
-              <a:rPr lang="tr-TR" sz="2200" b="1" dirty="0" smtClean="0">
-                <a:solidFill>
-                  <a:schemeClr val="tx1">
-                    <a:lumMod val="65000"/>
-                    <a:lumOff val="35000"/>
-                  </a:schemeClr>
-                </a:solidFill>
-                <a:latin typeface="Bebas Neue" panose="020B0606020202050201" pitchFamily="34" charset="0"/>
-              </a:rPr>
-              <a:t>commodo</a:t>
-            </a:r>
-            <a:endParaRPr lang="tr-TR" sz="2200" b="1" dirty="0">
+            <a:endParaRPr lang="tr-TR" b="1" dirty="0">
               <a:solidFill>
                 <a:schemeClr val="tx1">
                   <a:lumMod val="65000"/>
@@ -45474,8 +45833,8 @@
         </p:nvSpPr>
         <p:spPr>
           <a:xfrm>
-            <a:off x="5510851" y="2659335"/>
-            <a:ext cx="2792155" cy="1785104"/>
+            <a:off x="5510851" y="3496501"/>
+            <a:ext cx="2792155" cy="1077218"/>
           </a:xfrm>
           <a:prstGeom prst="rect">
             <a:avLst/>
@@ -45490,7 +45849,7 @@
           <a:p>
             <a:pPr algn="ctr"/>
             <a:r>
-              <a:rPr lang="tr-TR" sz="2200" b="1" dirty="0">
+              <a:rPr lang="fr-FR" b="1" dirty="0" smtClean="0">
                 <a:solidFill>
                   <a:schemeClr val="tx1">
                     <a:lumMod val="65000"/>
@@ -45499,21 +45858,9 @@
                 </a:solidFill>
                 <a:latin typeface="Bebas Neue" panose="020B0606020202050201" pitchFamily="34" charset="0"/>
               </a:rPr>
-              <a:t>Curabitur pretium tincidunt lacus. Nulla gravida orci a odio. Nullam varius, turpis et </a:t>
+              <a:t>Premiers tests de déplacement</a:t>
             </a:r>
-            <a:r>
-              <a:rPr lang="tr-TR" sz="2200" b="1" dirty="0" smtClean="0">
-                <a:solidFill>
-                  <a:schemeClr val="tx1">
-                    <a:lumMod val="65000"/>
-                    <a:lumOff val="35000"/>
-                  </a:schemeClr>
-                </a:solidFill>
-                <a:latin typeface="Bebas Neue" panose="020B0606020202050201" pitchFamily="34" charset="0"/>
-              </a:rPr>
-              <a:t>commodo</a:t>
-            </a:r>
-            <a:endParaRPr lang="tr-TR" sz="2200" b="1" dirty="0">
+            <a:endParaRPr lang="tr-TR" b="1" dirty="0">
               <a:solidFill>
                 <a:schemeClr val="tx1">
                   <a:lumMod val="65000"/>
@@ -45536,7 +45883,7 @@
         <p:spPr>
           <a:xfrm>
             <a:off x="7766785" y="6024279"/>
-            <a:ext cx="2792155" cy="1785104"/>
+            <a:ext cx="2792155" cy="3046988"/>
           </a:xfrm>
           <a:prstGeom prst="rect">
             <a:avLst/>
@@ -45551,7 +45898,7 @@
           <a:p>
             <a:pPr algn="ctr"/>
             <a:r>
-              <a:rPr lang="tr-TR" sz="2200" b="1" dirty="0">
+              <a:rPr lang="fr-FR" b="1" dirty="0" smtClean="0">
                 <a:solidFill>
                   <a:schemeClr val="tx1">
                     <a:lumMod val="65000"/>
@@ -45560,21 +45907,9 @@
                 </a:solidFill>
                 <a:latin typeface="Bebas Neue" panose="020B0606020202050201" pitchFamily="34" charset="0"/>
               </a:rPr>
-              <a:t>Curabitur pretium tincidunt lacus. Nulla gravida orci a odio. Nullam varius, turpis et </a:t>
+              <a:t>Mise en place du serveur de communication afin de pouvoir le contrôler à distance</a:t>
             </a:r>
-            <a:r>
-              <a:rPr lang="tr-TR" sz="2200" b="1" dirty="0" smtClean="0">
-                <a:solidFill>
-                  <a:schemeClr val="tx1">
-                    <a:lumMod val="65000"/>
-                    <a:lumOff val="35000"/>
-                  </a:schemeClr>
-                </a:solidFill>
-                <a:latin typeface="Bebas Neue" panose="020B0606020202050201" pitchFamily="34" charset="0"/>
-              </a:rPr>
-              <a:t>commodo</a:t>
-            </a:r>
-            <a:endParaRPr lang="tr-TR" sz="2200" b="1" dirty="0">
+            <a:endParaRPr lang="tr-TR" b="1" dirty="0">
               <a:solidFill>
                 <a:schemeClr val="tx1">
                   <a:lumMod val="65000"/>
@@ -45596,8 +45931,8 @@
         </p:nvSpPr>
         <p:spPr>
           <a:xfrm>
-            <a:off x="10001453" y="2659335"/>
-            <a:ext cx="2792155" cy="1785104"/>
+            <a:off x="9979539" y="2520441"/>
+            <a:ext cx="2792155" cy="2062103"/>
           </a:xfrm>
           <a:prstGeom prst="rect">
             <a:avLst/>
@@ -45612,7 +45947,7 @@
           <a:p>
             <a:pPr algn="ctr"/>
             <a:r>
-              <a:rPr lang="tr-TR" sz="2200" b="1" dirty="0">
+              <a:rPr lang="fr-FR" b="1" dirty="0" smtClean="0">
                 <a:solidFill>
                   <a:schemeClr val="tx1">
                     <a:lumMod val="65000"/>
@@ -45621,21 +45956,9 @@
                 </a:solidFill>
                 <a:latin typeface="Bebas Neue" panose="020B0606020202050201" pitchFamily="34" charset="0"/>
               </a:rPr>
-              <a:t>Curabitur pretium tincidunt lacus. Nulla gravida orci a odio. Nullam varius, turpis et </a:t>
+              <a:t>Mise en place de la cartographie et de la détection des obstacles</a:t>
             </a:r>
-            <a:r>
-              <a:rPr lang="tr-TR" sz="2200" b="1" dirty="0" smtClean="0">
-                <a:solidFill>
-                  <a:schemeClr val="tx1">
-                    <a:lumMod val="65000"/>
-                    <a:lumOff val="35000"/>
-                  </a:schemeClr>
-                </a:solidFill>
-                <a:latin typeface="Bebas Neue" panose="020B0606020202050201" pitchFamily="34" charset="0"/>
-              </a:rPr>
-              <a:t>commodo</a:t>
-            </a:r>
-            <a:endParaRPr lang="tr-TR" sz="2200" b="1" dirty="0">
+            <a:endParaRPr lang="tr-TR" b="1" dirty="0">
               <a:solidFill>
                 <a:schemeClr val="tx1">
                   <a:lumMod val="65000"/>
@@ -45658,7 +45981,7 @@
         <p:spPr>
           <a:xfrm>
             <a:off x="12222835" y="6024279"/>
-            <a:ext cx="2792155" cy="1785104"/>
+            <a:ext cx="2792155" cy="1569660"/>
           </a:xfrm>
           <a:prstGeom prst="rect">
             <a:avLst/>
@@ -45673,7 +45996,7 @@
           <a:p>
             <a:pPr algn="ctr"/>
             <a:r>
-              <a:rPr lang="tr-TR" sz="2200" b="1" dirty="0">
+              <a:rPr lang="fr-FR" b="1" dirty="0" smtClean="0">
                 <a:solidFill>
                   <a:schemeClr val="tx1">
                     <a:lumMod val="65000"/>
@@ -45682,21 +46005,9 @@
                 </a:solidFill>
                 <a:latin typeface="Bebas Neue" panose="020B0606020202050201" pitchFamily="34" charset="0"/>
               </a:rPr>
-              <a:t>Curabitur pretium tincidunt lacus. Nulla gravida orci a odio. Nullam varius, turpis et </a:t>
+              <a:t>Déplacement en courbe, recherche de chemin</a:t>
             </a:r>
-            <a:r>
-              <a:rPr lang="tr-TR" sz="2200" b="1" dirty="0" smtClean="0">
-                <a:solidFill>
-                  <a:schemeClr val="tx1">
-                    <a:lumMod val="65000"/>
-                    <a:lumOff val="35000"/>
-                  </a:schemeClr>
-                </a:solidFill>
-                <a:latin typeface="Bebas Neue" panose="020B0606020202050201" pitchFamily="34" charset="0"/>
-              </a:rPr>
-              <a:t>commodo</a:t>
-            </a:r>
-            <a:endParaRPr lang="tr-TR" sz="2200" b="1" dirty="0">
+            <a:endParaRPr lang="tr-TR" b="1" dirty="0">
               <a:solidFill>
                 <a:schemeClr val="tx1">
                   <a:lumMod val="65000"/>
@@ -46442,7 +46753,7 @@
           <a:p>
             <a:pPr algn="ctr"/>
             <a:r>
-              <a:rPr lang="tr-TR" sz="4000" b="1" dirty="0" smtClean="0">
+              <a:rPr lang="fr-FR" sz="4000" b="1" dirty="0" smtClean="0">
                 <a:solidFill>
                   <a:srgbClr val="565D6F"/>
                 </a:solidFill>
@@ -46450,7 +46761,7 @@
                 <a:ea typeface="Open Sans" pitchFamily="34" charset="0"/>
                 <a:cs typeface="Open Sans" pitchFamily="34" charset="0"/>
               </a:rPr>
-              <a:t>FAST</a:t>
+              <a:t>Réactif</a:t>
             </a:r>
             <a:endParaRPr lang="tr-TR" sz="4000" b="1" dirty="0">
               <a:solidFill>
@@ -46557,7 +46868,7 @@
       </p:sp>
       <p:pic>
         <p:nvPicPr>
-          <p:cNvPr id="13" name="Picture 12"/>
+          <p:cNvPr id="14" name="Picture 13"/>
           <p:cNvPicPr>
             <a:picLocks noChangeAspect="1"/>
           </p:cNvPicPr>
@@ -46565,36 +46876,13 @@
         </p:nvPicPr>
         <p:blipFill>
           <a:blip r:embed="rId4" cstate="print">
-            <a:extLst>
-              <a:ext uri="{28A0092B-C50C-407E-A947-70E740481C1C}">
-                <a14:useLocalDpi xmlns:a14="http://schemas.microsoft.com/office/drawing/2010/main" val="0"/>
-              </a:ext>
-            </a:extLst>
-          </a:blip>
-          <a:stretch>
-            <a:fillRect/>
-          </a:stretch>
-        </p:blipFill>
-        <p:spPr>
-          <a:xfrm>
-            <a:off x="8546324" y="2780834"/>
-            <a:ext cx="1240538" cy="1240538"/>
-          </a:xfrm>
-          <a:prstGeom prst="rect">
-            <a:avLst/>
-          </a:prstGeom>
-        </p:spPr>
-      </p:pic>
-      <p:pic>
-        <p:nvPicPr>
-          <p:cNvPr id="14" name="Picture 13"/>
-          <p:cNvPicPr>
-            <a:picLocks noChangeAspect="1"/>
-          </p:cNvPicPr>
-          <p:nvPr/>
-        </p:nvPicPr>
-        <p:blipFill>
-          <a:blip r:embed="rId5" cstate="print">
+            <a:duotone>
+              <a:prstClr val="black"/>
+              <a:schemeClr val="tx1">
+                <a:tint val="45000"/>
+                <a:satMod val="400000"/>
+              </a:schemeClr>
+            </a:duotone>
             <a:extLst>
               <a:ext uri="{28A0092B-C50C-407E-A947-70E740481C1C}">
                 <a14:useLocalDpi xmlns:a14="http://schemas.microsoft.com/office/drawing/2010/main" val="0"/>
@@ -46615,36 +46903,6 @@
           </a:prstGeom>
         </p:spPr>
       </p:pic>
-      <p:pic>
-        <p:nvPicPr>
-          <p:cNvPr id="15" name="Picture 14"/>
-          <p:cNvPicPr>
-            <a:picLocks noChangeAspect="1"/>
-          </p:cNvPicPr>
-          <p:nvPr/>
-        </p:nvPicPr>
-        <p:blipFill>
-          <a:blip r:embed="rId6" cstate="print">
-            <a:extLst>
-              <a:ext uri="{28A0092B-C50C-407E-A947-70E740481C1C}">
-                <a14:useLocalDpi xmlns:a14="http://schemas.microsoft.com/office/drawing/2010/main" val="0"/>
-              </a:ext>
-            </a:extLst>
-          </a:blip>
-          <a:stretch>
-            <a:fillRect/>
-          </a:stretch>
-        </p:blipFill>
-        <p:spPr>
-          <a:xfrm>
-            <a:off x="12808713" y="2764432"/>
-            <a:ext cx="1085090" cy="1240538"/>
-          </a:xfrm>
-          <a:prstGeom prst="rect">
-            <a:avLst/>
-          </a:prstGeom>
-        </p:spPr>
-      </p:pic>
       <p:sp>
         <p:nvSpPr>
           <p:cNvPr id="17" name="TextBox 16"/>
@@ -46669,7 +46927,7 @@
           <a:p>
             <a:pPr algn="ctr"/>
             <a:r>
-              <a:rPr lang="tr-TR" sz="4000" b="1" dirty="0" smtClean="0">
+              <a:rPr lang="fr-FR" sz="4000" b="1" dirty="0" smtClean="0">
                 <a:solidFill>
                   <a:srgbClr val="565D6F"/>
                 </a:solidFill>
@@ -46677,7 +46935,7 @@
                 <a:ea typeface="Open Sans" pitchFamily="34" charset="0"/>
                 <a:cs typeface="Open Sans" pitchFamily="34" charset="0"/>
               </a:rPr>
-              <a:t>ECO-FRIENDLY</a:t>
+              <a:t>Autonome</a:t>
             </a:r>
             <a:endParaRPr lang="tr-TR" sz="4000" b="1" dirty="0">
               <a:solidFill>
@@ -46714,7 +46972,7 @@
           <a:p>
             <a:pPr algn="ctr"/>
             <a:r>
-              <a:rPr lang="tr-TR" sz="4000" b="1" dirty="0" smtClean="0">
+              <a:rPr lang="fr-FR" sz="4000" b="1" dirty="0" smtClean="0">
                 <a:solidFill>
                   <a:srgbClr val="565D6F"/>
                 </a:solidFill>
@@ -46722,7 +46980,7 @@
                 <a:ea typeface="Open Sans" pitchFamily="34" charset="0"/>
                 <a:cs typeface="Open Sans" pitchFamily="34" charset="0"/>
               </a:rPr>
-              <a:t>SECURE</a:t>
+              <a:t>Maintenable</a:t>
             </a:r>
             <a:endParaRPr lang="tr-TR" sz="4000" b="1" dirty="0">
               <a:solidFill>
@@ -46744,7 +47002,7 @@
         <p:spPr>
           <a:xfrm>
             <a:off x="3266739" y="5664239"/>
-            <a:ext cx="3358568" cy="1785104"/>
+            <a:ext cx="3358568" cy="1446550"/>
           </a:xfrm>
           <a:prstGeom prst="rect">
             <a:avLst/>
@@ -46759,7 +47017,7 @@
           <a:p>
             <a:pPr algn="ctr"/>
             <a:r>
-              <a:rPr lang="tr-TR" sz="2200" b="1" dirty="0">
+              <a:rPr lang="fr-FR" sz="2200" b="1" dirty="0" smtClean="0">
                 <a:solidFill>
                   <a:schemeClr val="tx1">
                     <a:lumMod val="65000"/>
@@ -46768,7 +47026,7 @@
                 </a:solidFill>
                 <a:latin typeface="Caviar Dreams" pitchFamily="34" charset="-94"/>
               </a:rPr>
-              <a:t>Curabitur pretium tincidunt lacus. Nulla gravida orci a odio. Nullam varius, turpis et commodo pharetra</a:t>
+              <a:t>Pouvoir lui faire exécuter des tâches à distance depuis n’importe quel appareil</a:t>
             </a:r>
             <a:endParaRPr lang="tr-TR" sz="2200" b="1" dirty="0">
               <a:solidFill>
@@ -46790,7 +47048,7 @@
         <p:spPr>
           <a:xfrm>
             <a:off x="7487309" y="5664239"/>
-            <a:ext cx="3358568" cy="1785104"/>
+            <a:ext cx="3358568" cy="1107996"/>
           </a:xfrm>
           <a:prstGeom prst="rect">
             <a:avLst/>
@@ -46805,7 +47063,7 @@
           <a:p>
             <a:pPr algn="ctr"/>
             <a:r>
-              <a:rPr lang="tr-TR" sz="2200" b="1" dirty="0">
+              <a:rPr lang="fr-FR" sz="2200" b="1" dirty="0" smtClean="0">
                 <a:solidFill>
                   <a:schemeClr val="tx1">
                     <a:lumMod val="65000"/>
@@ -46814,7 +47072,7 @@
                 </a:solidFill>
                 <a:latin typeface="Caviar Dreams" pitchFamily="34" charset="-94"/>
               </a:rPr>
-              <a:t>Curabitur pretium tincidunt lacus. Nulla gravida orci a odio. Nullam varius, turpis et commodo pharetra</a:t>
+              <a:t>Capacité à s’adapter et à analyser son environnement</a:t>
             </a:r>
             <a:endParaRPr lang="tr-TR" sz="2200" b="1" dirty="0">
               <a:solidFill>
@@ -46851,7 +47109,7 @@
           <a:p>
             <a:pPr algn="ctr"/>
             <a:r>
-              <a:rPr lang="tr-TR" sz="2200" b="1" dirty="0">
+              <a:rPr lang="fr-FR" sz="2200" b="1" dirty="0" smtClean="0">
                 <a:solidFill>
                   <a:schemeClr val="tx1">
                     <a:lumMod val="65000"/>
@@ -46860,7 +47118,7 @@
                 </a:solidFill>
                 <a:latin typeface="Caviar Dreams" pitchFamily="34" charset="-94"/>
               </a:rPr>
-              <a:t>Curabitur pretium tincidunt lacus. Nulla gravida orci a odio. Nullam varius, turpis et commodo pharetra</a:t>
+              <a:t>Permettre à des développeurs de pouvoir facilement lui ajouter de nouvelles fonctionnalités</a:t>
             </a:r>
             <a:endParaRPr lang="tr-TR" sz="2200" b="1" dirty="0">
               <a:solidFill>
@@ -46964,6 +47222,211 @@
           </a:p>
         </p:txBody>
       </p:sp>
+      <p:sp>
+        <p:nvSpPr>
+          <p:cNvPr id="24" name="Rectangle 23"/>
+          <p:cNvSpPr/>
+          <p:nvPr/>
+        </p:nvSpPr>
+        <p:spPr>
+          <a:xfrm>
+            <a:off x="0" y="1040631"/>
+            <a:ext cx="5401171" cy="864096"/>
+          </a:xfrm>
+          <a:prstGeom prst="rect">
+            <a:avLst/>
+          </a:prstGeom>
+          <a:solidFill>
+            <a:srgbClr val="565D6F"/>
+          </a:solidFill>
+          <a:ln>
+            <a:noFill/>
+          </a:ln>
+        </p:spPr>
+        <p:style>
+          <a:lnRef idx="2">
+            <a:schemeClr val="accent1">
+              <a:shade val="50000"/>
+            </a:schemeClr>
+          </a:lnRef>
+          <a:fillRef idx="1">
+            <a:schemeClr val="accent1"/>
+          </a:fillRef>
+          <a:effectRef idx="0">
+            <a:schemeClr val="accent1"/>
+          </a:effectRef>
+          <a:fontRef idx="minor">
+            <a:schemeClr val="lt1"/>
+          </a:fontRef>
+        </p:style>
+        <p:txBody>
+          <a:bodyPr rtlCol="0" anchor="ctr"/>
+          <a:lstStyle/>
+          <a:p>
+            <a:pPr algn="ctr"/>
+            <a:endParaRPr lang="tr-TR"/>
+          </a:p>
+        </p:txBody>
+      </p:sp>
+      <p:sp>
+        <p:nvSpPr>
+          <p:cNvPr id="25" name="Rectangle 24"/>
+          <p:cNvSpPr/>
+          <p:nvPr/>
+        </p:nvSpPr>
+        <p:spPr>
+          <a:xfrm>
+            <a:off x="5401172" y="1040631"/>
+            <a:ext cx="180020" cy="864096"/>
+          </a:xfrm>
+          <a:prstGeom prst="rect">
+            <a:avLst/>
+          </a:prstGeom>
+          <a:solidFill>
+            <a:schemeClr val="bg1">
+              <a:lumMod val="75000"/>
+            </a:schemeClr>
+          </a:solidFill>
+          <a:ln>
+            <a:noFill/>
+          </a:ln>
+        </p:spPr>
+        <p:style>
+          <a:lnRef idx="2">
+            <a:schemeClr val="accent1">
+              <a:shade val="50000"/>
+            </a:schemeClr>
+          </a:lnRef>
+          <a:fillRef idx="1">
+            <a:schemeClr val="accent1"/>
+          </a:fillRef>
+          <a:effectRef idx="0">
+            <a:schemeClr val="accent1"/>
+          </a:effectRef>
+          <a:fontRef idx="minor">
+            <a:schemeClr val="lt1"/>
+          </a:fontRef>
+        </p:style>
+        <p:txBody>
+          <a:bodyPr rtlCol="0" anchor="ctr"/>
+          <a:lstStyle/>
+          <a:p>
+            <a:pPr algn="ctr"/>
+            <a:endParaRPr lang="tr-TR"/>
+          </a:p>
+        </p:txBody>
+      </p:sp>
+      <p:sp>
+        <p:nvSpPr>
+          <p:cNvPr id="26" name="TextBox 11"/>
+          <p:cNvSpPr txBox="1"/>
+          <p:nvPr/>
+        </p:nvSpPr>
+        <p:spPr>
+          <a:xfrm>
+            <a:off x="504341" y="1040631"/>
+            <a:ext cx="4392774" cy="784830"/>
+          </a:xfrm>
+          <a:prstGeom prst="rect">
+            <a:avLst/>
+          </a:prstGeom>
+          <a:noFill/>
+        </p:spPr>
+        <p:txBody>
+          <a:bodyPr wrap="square" rtlCol="0">
+            <a:spAutoFit/>
+          </a:bodyPr>
+          <a:lstStyle/>
+          <a:p>
+            <a:pPr algn="ctr"/>
+            <a:r>
+              <a:rPr lang="fr-FR" sz="4500" b="1" dirty="0" smtClean="0">
+                <a:solidFill>
+                  <a:schemeClr val="bg1">
+                    <a:lumMod val="95000"/>
+                  </a:schemeClr>
+                </a:solidFill>
+                <a:latin typeface="Caviar Dreams" pitchFamily="34" charset="-94"/>
+                <a:ea typeface="Open Sans" pitchFamily="34" charset="0"/>
+                <a:cs typeface="Open Sans" pitchFamily="34" charset="0"/>
+              </a:rPr>
+              <a:t>NOTRE VISION</a:t>
+            </a:r>
+            <a:endParaRPr lang="tr-TR" sz="4500" b="1" dirty="0">
+              <a:solidFill>
+                <a:schemeClr val="bg1">
+                  <a:lumMod val="95000"/>
+                </a:schemeClr>
+              </a:solidFill>
+              <a:latin typeface="Caviar Dreams" pitchFamily="34" charset="-94"/>
+              <a:ea typeface="Open Sans" pitchFamily="34" charset="0"/>
+              <a:cs typeface="Open Sans" pitchFamily="34" charset="0"/>
+            </a:endParaRPr>
+          </a:p>
+        </p:txBody>
+      </p:sp>
+      <p:pic>
+        <p:nvPicPr>
+          <p:cNvPr id="2" name="Image 1"/>
+          <p:cNvPicPr>
+            <a:picLocks noChangeAspect="1"/>
+          </p:cNvPicPr>
+          <p:nvPr/>
+        </p:nvPicPr>
+        <p:blipFill>
+          <a:blip r:embed="rId5">
+            <a:lum bright="70000" contrast="-70000"/>
+            <a:extLst>
+              <a:ext uri="{28A0092B-C50C-407E-A947-70E740481C1C}">
+                <a14:useLocalDpi xmlns:a14="http://schemas.microsoft.com/office/drawing/2010/main" val="0"/>
+              </a:ext>
+            </a:extLst>
+          </a:blip>
+          <a:stretch>
+            <a:fillRect/>
+          </a:stretch>
+        </p:blipFill>
+        <p:spPr>
+          <a:xfrm>
+            <a:off x="11825481" y="2361811"/>
+            <a:ext cx="3051553" cy="2062182"/>
+          </a:xfrm>
+          <a:prstGeom prst="rect">
+            <a:avLst/>
+          </a:prstGeom>
+        </p:spPr>
+      </p:pic>
+      <p:pic>
+        <p:nvPicPr>
+          <p:cNvPr id="3" name="Image 2"/>
+          <p:cNvPicPr>
+            <a:picLocks noChangeAspect="1"/>
+          </p:cNvPicPr>
+          <p:nvPr/>
+        </p:nvPicPr>
+        <p:blipFill>
+          <a:blip r:embed="rId6">
+            <a:lum bright="70000" contrast="-70000"/>
+            <a:extLst>
+              <a:ext uri="{28A0092B-C50C-407E-A947-70E740481C1C}">
+                <a14:useLocalDpi xmlns:a14="http://schemas.microsoft.com/office/drawing/2010/main" val="0"/>
+              </a:ext>
+            </a:extLst>
+          </a:blip>
+          <a:stretch>
+            <a:fillRect/>
+          </a:stretch>
+        </p:blipFill>
+        <p:spPr>
+          <a:xfrm>
+            <a:off x="8035109" y="2659586"/>
+            <a:ext cx="2194547" cy="1483034"/>
+          </a:xfrm>
+          <a:prstGeom prst="rect">
+            <a:avLst/>
+          </a:prstGeom>
+        </p:spPr>
+      </p:pic>
     </p:spTree>
     <p:extLst>
       <p:ext uri="{BB962C8B-B14F-4D97-AF65-F5344CB8AC3E}">
@@ -47128,7 +47591,7 @@
                                           </p:stCondLst>
                                         </p:cTn>
                                         <p:tgtEl>
-                                          <p:spTgt spid="13"/>
+                                          <p:spTgt spid="14"/>
                                         </p:tgtEl>
                                         <p:attrNameLst>
                                           <p:attrName>style.visibility</p:attrName>
@@ -47142,77 +47605,7 @@
                                       <p:cBhvr>
                                         <p:cTn id="16" dur="500"/>
                                         <p:tgtEl>
-                                          <p:spTgt spid="13"/>
-                                        </p:tgtEl>
-                                      </p:cBhvr>
-                                    </p:animEffect>
-                                  </p:childTnLst>
-                                </p:cTn>
-                              </p:par>
-                              <p:par>
-                                <p:cTn id="17" presetID="10" presetClass="entr" presetSubtype="0" fill="hold" nodeType="withEffect">
-                                  <p:stCondLst>
-                                    <p:cond delay="0"/>
-                                  </p:stCondLst>
-                                  <p:childTnLst>
-                                    <p:set>
-                                      <p:cBhvr>
-                                        <p:cTn id="18" dur="1" fill="hold">
-                                          <p:stCondLst>
-                                            <p:cond delay="0"/>
-                                          </p:stCondLst>
-                                        </p:cTn>
-                                        <p:tgtEl>
                                           <p:spTgt spid="14"/>
-                                        </p:tgtEl>
-                                        <p:attrNameLst>
-                                          <p:attrName>style.visibility</p:attrName>
-                                        </p:attrNameLst>
-                                      </p:cBhvr>
-                                      <p:to>
-                                        <p:strVal val="visible"/>
-                                      </p:to>
-                                    </p:set>
-                                    <p:animEffect transition="in" filter="fade">
-                                      <p:cBhvr>
-                                        <p:cTn id="19" dur="500"/>
-                                        <p:tgtEl>
-                                          <p:spTgt spid="14"/>
-                                        </p:tgtEl>
-                                      </p:cBhvr>
-                                    </p:animEffect>
-                                  </p:childTnLst>
-                                </p:cTn>
-                              </p:par>
-                              <p:par>
-                                <p:cTn id="20" presetID="10" presetClass="entr" presetSubtype="0" fill="hold" nodeType="withEffect">
-                                  <p:stCondLst>
-                                    <p:cond delay="0"/>
-                                  </p:stCondLst>
-                                  <p:childTnLst>
-                                    <p:set>
-                                      <p:cBhvr>
-                                        <p:cTn id="21" dur="1" fill="hold">
-                                          <p:stCondLst>
-                                            <p:cond delay="0"/>
-                                          </p:stCondLst>
-                                        </p:cTn>
-                                        <p:tgtEl>
-                                          <p:spTgt spid="15"/>
-                                        </p:tgtEl>
-                                        <p:attrNameLst>
-                                          <p:attrName>style.visibility</p:attrName>
-                                        </p:attrNameLst>
-                                      </p:cBhvr>
-                                      <p:to>
-                                        <p:strVal val="visible"/>
-                                      </p:to>
-                                    </p:set>
-                                    <p:animEffect transition="in" filter="fade">
-                                      <p:cBhvr>
-                                        <p:cTn id="22" dur="500"/>
-                                        <p:tgtEl>
-                                          <p:spTgt spid="15"/>
                                         </p:tgtEl>
                                       </p:cBhvr>
                                     </p:animEffect>
@@ -47223,26 +47616,96 @@
                           </p:cTn>
                         </p:par>
                         <p:par>
-                          <p:cTn id="23" fill="hold">
+                          <p:cTn id="17" fill="hold">
                             <p:stCondLst>
                               <p:cond delay="500"/>
                             </p:stCondLst>
                             <p:childTnLst>
                               <p:par>
-                                <p:cTn id="24" presetID="10" presetClass="entr" presetSubtype="0" fill="hold" grpId="0" nodeType="afterEffect">
+                                <p:cTn id="18" presetID="10" presetClass="entr" presetSubtype="0" fill="hold" grpId="0" nodeType="afterEffect">
                                   <p:stCondLst>
                                     <p:cond delay="0"/>
                                   </p:stCondLst>
                                   <p:childTnLst>
                                     <p:set>
                                       <p:cBhvr>
+                                        <p:cTn id="19" dur="1" fill="hold">
+                                          <p:stCondLst>
+                                            <p:cond delay="0"/>
+                                          </p:stCondLst>
+                                        </p:cTn>
+                                        <p:tgtEl>
+                                          <p:spTgt spid="18"/>
+                                        </p:tgtEl>
+                                        <p:attrNameLst>
+                                          <p:attrName>style.visibility</p:attrName>
+                                        </p:attrNameLst>
+                                      </p:cBhvr>
+                                      <p:to>
+                                        <p:strVal val="visible"/>
+                                      </p:to>
+                                    </p:set>
+                                    <p:animEffect transition="in" filter="fade">
+                                      <p:cBhvr>
+                                        <p:cTn id="20" dur="500"/>
+                                        <p:tgtEl>
+                                          <p:spTgt spid="18"/>
+                                        </p:tgtEl>
+                                      </p:cBhvr>
+                                    </p:animEffect>
+                                  </p:childTnLst>
+                                </p:cTn>
+                              </p:par>
+                              <p:par>
+                                <p:cTn id="21" presetID="10" presetClass="entr" presetSubtype="0" fill="hold" grpId="0" nodeType="withEffect">
+                                  <p:stCondLst>
+                                    <p:cond delay="0"/>
+                                  </p:stCondLst>
+                                  <p:childTnLst>
+                                    <p:set>
+                                      <p:cBhvr>
+                                        <p:cTn id="22" dur="1" fill="hold">
+                                          <p:stCondLst>
+                                            <p:cond delay="0"/>
+                                          </p:stCondLst>
+                                        </p:cTn>
+                                        <p:tgtEl>
+                                          <p:spTgt spid="17"/>
+                                        </p:tgtEl>
+                                        <p:attrNameLst>
+                                          <p:attrName>style.visibility</p:attrName>
+                                        </p:attrNameLst>
+                                      </p:cBhvr>
+                                      <p:to>
+                                        <p:strVal val="visible"/>
+                                      </p:to>
+                                    </p:set>
+                                    <p:animEffect transition="in" filter="fade">
+                                      <p:cBhvr>
+                                        <p:cTn id="23" dur="500"/>
+                                        <p:tgtEl>
+                                          <p:spTgt spid="17"/>
+                                        </p:tgtEl>
+                                      </p:cBhvr>
+                                    </p:animEffect>
+                                  </p:childTnLst>
+                                </p:cTn>
+                              </p:par>
+                              <p:par>
+                                <p:cTn id="24" presetID="10" presetClass="entr" presetSubtype="0" fill="hold" grpId="0" nodeType="withEffect">
+                                  <p:stCondLst>
+                                    <p:cond delay="0"/>
+                                  </p:stCondLst>
+                                  <p:childTnLst>
+                                    <p:set>
+                                      <p:cBhvr>
                                         <p:cTn id="25" dur="1" fill="hold">
                                           <p:stCondLst>
                                             <p:cond delay="0"/>
                                           </p:stCondLst>
                                         </p:cTn>
                                         <p:tgtEl>
-                                          <p:spTgt spid="18"/>
+                                          <p:spTgt spid="10"/>
                                         </p:tgtEl>
                                         <p:attrNameLst>
                                           <p:attrName>style.visibility</p:attrName>
@@ -47255,76 +47718,6 @@
                                     <p:animEffect transition="in" filter="fade">
                                       <p:cBhvr>
                                         <p:cTn id="26" dur="500"/>
-                                        <p:tgtEl>
-                                          <p:spTgt spid="18"/>
-                                        </p:tgtEl>
-                                      </p:cBhvr>
-                                    </p:animEffect>
-                                  </p:childTnLst>
-                                </p:cTn>
-                              </p:par>
-                              <p:par>
-                                <p:cTn id="27" presetID="10" presetClass="entr" presetSubtype="0" fill="hold" grpId="0" nodeType="withEffect">
-                                  <p:stCondLst>
-                                    <p:cond delay="0"/>
-                                  </p:stCondLst>
-                                  <p:childTnLst>
-                                    <p:set>
-                                      <p:cBhvr>
-                                        <p:cTn id="28" dur="1" fill="hold">
-                                          <p:stCondLst>
-                                            <p:cond delay="0"/>
-                                          </p:stCondLst>
-                                        </p:cTn>
-                                        <p:tgtEl>
-                                          <p:spTgt spid="17"/>
-                                        </p:tgtEl>
-                                        <p:attrNameLst>
-                                          <p:attrName>style.visibility</p:attrName>
-                                        </p:attrNameLst>
-                                      </p:cBhvr>
-                                      <p:to>
-                                        <p:strVal val="visible"/>
-                                      </p:to>
-                                    </p:set>
-                                    <p:animEffect transition="in" filter="fade">
-                                      <p:cBhvr>
-                                        <p:cTn id="29" dur="500"/>
-                                        <p:tgtEl>
-                                          <p:spTgt spid="17"/>
-                                        </p:tgtEl>
-                                      </p:cBhvr>
-                                    </p:animEffect>
-                                  </p:childTnLst>
-                                </p:cTn>
-                              </p:par>
-                              <p:par>
-                                <p:cTn id="30" presetID="10" presetClass="entr" presetSubtype="0" fill="hold" grpId="0" nodeType="withEffect">
-                                  <p:stCondLst>
-                                    <p:cond delay="0"/>
-                                  </p:stCondLst>
-                                  <p:childTnLst>
-                                    <p:set>
-                                      <p:cBhvr>
-                                        <p:cTn id="31" dur="1" fill="hold">
-                                          <p:stCondLst>
-                                            <p:cond delay="0"/>
-                                          </p:stCondLst>
-                                        </p:cTn>
-                                        <p:tgtEl>
-                                          <p:spTgt spid="10"/>
-                                        </p:tgtEl>
-                                        <p:attrNameLst>
-                                          <p:attrName>style.visibility</p:attrName>
-                                        </p:attrNameLst>
-                                      </p:cBhvr>
-                                      <p:to>
-                                        <p:strVal val="visible"/>
-                                      </p:to>
-                                    </p:set>
-                                    <p:animEffect transition="in" filter="fade">
-                                      <p:cBhvr>
-                                        <p:cTn id="32" dur="500"/>
                                         <p:tgtEl>
                                           <p:spTgt spid="10"/>
                                         </p:tgtEl>
@@ -47337,26 +47730,96 @@
                           </p:cTn>
                         </p:par>
                         <p:par>
-                          <p:cTn id="33" fill="hold">
+                          <p:cTn id="27" fill="hold">
                             <p:stCondLst>
                               <p:cond delay="1000"/>
                             </p:stCondLst>
                             <p:childTnLst>
                               <p:par>
-                                <p:cTn id="34" presetID="10" presetClass="entr" presetSubtype="0" fill="hold" grpId="0" nodeType="afterEffect">
+                                <p:cTn id="28" presetID="10" presetClass="entr" presetSubtype="0" fill="hold" grpId="0" nodeType="afterEffect">
                                   <p:stCondLst>
                                     <p:cond delay="0"/>
                                   </p:stCondLst>
                                   <p:childTnLst>
                                     <p:set>
                                       <p:cBhvr>
+                                        <p:cTn id="29" dur="1" fill="hold">
+                                          <p:stCondLst>
+                                            <p:cond delay="0"/>
+                                          </p:stCondLst>
+                                        </p:cTn>
+                                        <p:tgtEl>
+                                          <p:spTgt spid="21"/>
+                                        </p:tgtEl>
+                                        <p:attrNameLst>
+                                          <p:attrName>style.visibility</p:attrName>
+                                        </p:attrNameLst>
+                                      </p:cBhvr>
+                                      <p:to>
+                                        <p:strVal val="visible"/>
+                                      </p:to>
+                                    </p:set>
+                                    <p:animEffect transition="in" filter="fade">
+                                      <p:cBhvr>
+                                        <p:cTn id="30" dur="500"/>
+                                        <p:tgtEl>
+                                          <p:spTgt spid="21"/>
+                                        </p:tgtEl>
+                                      </p:cBhvr>
+                                    </p:animEffect>
+                                  </p:childTnLst>
+                                </p:cTn>
+                              </p:par>
+                              <p:par>
+                                <p:cTn id="31" presetID="10" presetClass="entr" presetSubtype="0" fill="hold" grpId="0" nodeType="withEffect">
+                                  <p:stCondLst>
+                                    <p:cond delay="0"/>
+                                  </p:stCondLst>
+                                  <p:childTnLst>
+                                    <p:set>
+                                      <p:cBhvr>
+                                        <p:cTn id="32" dur="1" fill="hold">
+                                          <p:stCondLst>
+                                            <p:cond delay="0"/>
+                                          </p:stCondLst>
+                                        </p:cTn>
+                                        <p:tgtEl>
+                                          <p:spTgt spid="20"/>
+                                        </p:tgtEl>
+                                        <p:attrNameLst>
+                                          <p:attrName>style.visibility</p:attrName>
+                                        </p:attrNameLst>
+                                      </p:cBhvr>
+                                      <p:to>
+                                        <p:strVal val="visible"/>
+                                      </p:to>
+                                    </p:set>
+                                    <p:animEffect transition="in" filter="fade">
+                                      <p:cBhvr>
+                                        <p:cTn id="33" dur="500"/>
+                                        <p:tgtEl>
+                                          <p:spTgt spid="20"/>
+                                        </p:tgtEl>
+                                      </p:cBhvr>
+                                    </p:animEffect>
+                                  </p:childTnLst>
+                                </p:cTn>
+                              </p:par>
+                              <p:par>
+                                <p:cTn id="34" presetID="10" presetClass="entr" presetSubtype="0" fill="hold" grpId="0" nodeType="withEffect">
+                                  <p:stCondLst>
+                                    <p:cond delay="0"/>
+                                  </p:stCondLst>
+                                  <p:childTnLst>
+                                    <p:set>
+                                      <p:cBhvr>
                                         <p:cTn id="35" dur="1" fill="hold">
                                           <p:stCondLst>
                                             <p:cond delay="0"/>
                                           </p:stCondLst>
                                         </p:cTn>
                                         <p:tgtEl>
-                                          <p:spTgt spid="21"/>
+                                          <p:spTgt spid="19"/>
                                         </p:tgtEl>
                                         <p:attrNameLst>
                                           <p:attrName>style.visibility</p:attrName>
@@ -47370,7 +47833,7 @@
                                       <p:cBhvr>
                                         <p:cTn id="36" dur="500"/>
                                         <p:tgtEl>
-                                          <p:spTgt spid="21"/>
+                                          <p:spTgt spid="19"/>
                                         </p:tgtEl>
                                       </p:cBhvr>
                                     </p:animEffect>
@@ -47391,7 +47854,7 @@
                                           </p:stCondLst>
                                         </p:cTn>
                                         <p:tgtEl>
-                                          <p:spTgt spid="20"/>
+                                          <p:spTgt spid="24"/>
                                         </p:tgtEl>
                                         <p:attrNameLst>
                                           <p:attrName>style.visibility</p:attrName>
@@ -47405,7 +47868,7 @@
                                       <p:cBhvr>
                                         <p:cTn id="39" dur="500"/>
                                         <p:tgtEl>
-                                          <p:spTgt spid="20"/>
+                                          <p:spTgt spid="24"/>
                                         </p:tgtEl>
                                       </p:cBhvr>
                                     </p:animEffect>
@@ -47426,7 +47889,7 @@
                                           </p:stCondLst>
                                         </p:cTn>
                                         <p:tgtEl>
-                                          <p:spTgt spid="19"/>
+                                          <p:spTgt spid="25"/>
                                         </p:tgtEl>
                                         <p:attrNameLst>
                                           <p:attrName>style.visibility</p:attrName>
@@ -47440,7 +47903,42 @@
                                       <p:cBhvr>
                                         <p:cTn id="42" dur="500"/>
                                         <p:tgtEl>
-                                          <p:spTgt spid="19"/>
+                                          <p:spTgt spid="25"/>
+                                        </p:tgtEl>
+                                      </p:cBhvr>
+                                    </p:animEffect>
+                                  </p:childTnLst>
+                                </p:cTn>
+                              </p:par>
+                              <p:par>
+                                <p:cTn id="43" presetID="10" presetClass="entr" presetSubtype="0" fill="hold" grpId="0" nodeType="withEffect">
+                                  <p:stCondLst>
+                                    <p:cond delay="0"/>
+                                  </p:stCondLst>
+                                  <p:childTnLst>
+                                    <p:set>
+                                      <p:cBhvr>
+                                        <p:cTn id="44" dur="1" fill="hold">
+                                          <p:stCondLst>
+                                            <p:cond delay="0"/>
+                                          </p:stCondLst>
+                                        </p:cTn>
+                                        <p:tgtEl>
+                                          <p:spTgt spid="26"/>
+                                        </p:tgtEl>
+                                        <p:attrNameLst>
+                                          <p:attrName>style.visibility</p:attrName>
+                                        </p:attrNameLst>
+                                      </p:cBhvr>
+                                      <p:to>
+                                        <p:strVal val="visible"/>
+                                      </p:to>
+                                    </p:set>
+                                    <p:animEffect transition="in" filter="fade">
+                                      <p:cBhvr>
+                                        <p:cTn id="45" dur="500"/>
+                                        <p:tgtEl>
+                                          <p:spTgt spid="26"/>
                                         </p:tgtEl>
                                       </p:cBhvr>
                                     </p:animEffect>
@@ -47484,6 +47982,9 @@
       <p:bldP spid="19" grpId="0"/>
       <p:bldP spid="20" grpId="0"/>
       <p:bldP spid="21" grpId="0"/>
+      <p:bldP spid="24" grpId="0" animBg="1"/>
+      <p:bldP spid="25" grpId="0" animBg="1"/>
+      <p:bldP spid="26" grpId="0"/>
     </p:bldLst>
   </p:timing>
 </p:sld>
